--- a/L03P01 - Smart Technology - microPython 3 - Github, Organiseren en MQTT/Hst 10 - microPython MQTT_Subscriber.pptx
+++ b/L03P01 - Smart Technology - microPython 3 - Github, Organiseren en MQTT/Hst 10 - microPython MQTT_Subscriber.pptx
@@ -6,26 +6,19 @@
     <p:sldMasterId id="2147483670" r:id="rId5"/>
   </p:sldMasterIdLst>
   <p:notesMasterIdLst>
-    <p:notesMasterId r:id="rId20"/>
+    <p:notesMasterId r:id="rId13"/>
   </p:notesMasterIdLst>
   <p:handoutMasterIdLst>
-    <p:handoutMasterId r:id="rId21"/>
+    <p:handoutMasterId r:id="rId14"/>
   </p:handoutMasterIdLst>
   <p:sldIdLst>
     <p:sldId id="256" r:id="rId6"/>
-    <p:sldId id="409" r:id="rId7"/>
+    <p:sldId id="411" r:id="rId7"/>
     <p:sldId id="417" r:id="rId8"/>
-    <p:sldId id="411" r:id="rId9"/>
-    <p:sldId id="418" r:id="rId10"/>
-    <p:sldId id="419" r:id="rId11"/>
-    <p:sldId id="420" r:id="rId12"/>
-    <p:sldId id="421" r:id="rId13"/>
-    <p:sldId id="422" r:id="rId14"/>
-    <p:sldId id="423" r:id="rId15"/>
-    <p:sldId id="424" r:id="rId16"/>
-    <p:sldId id="426" r:id="rId17"/>
-    <p:sldId id="425" r:id="rId18"/>
-    <p:sldId id="387" r:id="rId19"/>
+    <p:sldId id="424" r:id="rId9"/>
+    <p:sldId id="426" r:id="rId10"/>
+    <p:sldId id="425" r:id="rId11"/>
+    <p:sldId id="387" r:id="rId12"/>
   </p:sldIdLst>
   <p:sldSz cx="12192000" cy="6858000"/>
   <p:notesSz cx="6797675" cy="9926638"/>
@@ -2715,7 +2708,7 @@
           <a:p>
             <a:fld id="{25ED37B6-3D2B-42F6-B75F-7E9C925A2B78}" type="datetimeFigureOut">
               <a:rPr lang="nl-NL" smtClean="0"/>
-              <a:t>22-03-2022</a:t>
+              <a:t>1-11-2023</a:t>
             </a:fld>
             <a:endParaRPr lang="nl-NL"/>
           </a:p>
@@ -2781,7 +2774,7 @@
           <a:p>
             <a:fld id="{70D9F7AB-EA22-43B3-A547-9779962390FA}" type="slidenum">
               <a:rPr lang="nl-NL" smtClean="0"/>
-              <a:t>‹#›</a:t>
+              <a:t>‹nr.›</a:t>
             </a:fld>
             <a:endParaRPr lang="nl-NL"/>
           </a:p>
@@ -2796,144 +2789,6 @@
   </p:cSld>
   <p:clrMap bg1="lt1" tx1="dk1" bg2="lt2" tx2="dk2" accent1="accent1" accent2="accent2" accent3="accent3" accent4="accent4" accent5="accent5" accent6="accent6" hlink="hlink" folHlink="folHlink"/>
 </p:handoutMaster>
-</file>
-
-<file path=ppt/ink/ink1.xml><?xml version="1.0" encoding="utf-8"?>
-<inkml:ink xmlns:inkml="http://www.w3.org/2003/InkML">
-  <inkml:definitions>
-    <inkml:context xml:id="ctx0">
-      <inkml:inkSource xml:id="inkSrc0">
-        <inkml:traceFormat>
-          <inkml:channel name="X" type="integer" min="-2.14748E9" max="2.14748E9" units="cm"/>
-          <inkml:channel name="Y" type="integer" min="-2.14748E9" max="2.14748E9" units="cm"/>
-          <inkml:channel name="F" type="integer" max="32767" units="dev"/>
-        </inkml:traceFormat>
-        <inkml:channelProperties>
-          <inkml:channelProperty channel="X" name="resolution" value="1000" units="1/cm"/>
-          <inkml:channelProperty channel="Y" name="resolution" value="1000" units="1/cm"/>
-          <inkml:channelProperty channel="F" name="resolution" value="0" units="1/dev"/>
-        </inkml:channelProperties>
-      </inkml:inkSource>
-      <inkml:timestamp xml:id="ts0" timeString="2022-02-21T14:22:40.409"/>
-    </inkml:context>
-    <inkml:brush xml:id="br0">
-      <inkml:brushProperty name="width" value="0.3" units="cm"/>
-      <inkml:brushProperty name="height" value="0.6" units="cm"/>
-      <inkml:brushProperty name="color" value="#00F900"/>
-      <inkml:brushProperty name="tip" value="rectangle"/>
-      <inkml:brushProperty name="rasterOp" value="maskPen"/>
-    </inkml:brush>
-  </inkml:definitions>
-  <inkml:trace contextRef="#ctx0" brushRef="#br0">1 0 16383,'0'99'0,"0"-44"0,0 2 0,0 3 0,1 3 0,2 8 0,2 3 0,4 6 0,3 1 0,4 0 0,2 0 0,4-1 0,3 0 0,2 0 0,1 1 0,0 0 0,1 0 0,3 5 0,1 1 0,1 3 0,1 0 0,0 1 0,0 0 0,3-1 0,0-1 0,-1-2 0,-1-1 0,2 1 0,0-1 0,1 0 0,1 0 0,0-2 0,1 0 0,1-1 0,1-2 0,-1-4 0,1 0 0,-2-1 0,0-1 0,-2-3 0,0 0 0,-3-5 0,0 0 0,-3-4 0,0 0 0,-2-5 0,-2 0 0,-2-2 0,-1-1 0,0 0 0,-1-1 0,0-2 0,-2 1 0,1-3 0,-1 0 0,-1-1 0,0-1 0,-1-1 0,0 1 0,-2-1 0,0 0 0,0 0 0,0 0 0,18 45 0,-1-5 0,3-3 0,0 3 0,3 1 0,-20-42 0,1 1 0,0 3 0,2 1 0,1 0 0,0 1 0,-1-1 0,0 1 0,1 0 0,1-1 0,-2-2 0,1 0 0,0-1 0,0-1 0,1-1 0,1-1 0,24 38 0,0-3 0,-1-5 0,-3-6 0,-5-3 0,-5-9 0,-6-7 0,-2-8 0,-4-6 0,-2-5 0,-2-2 0,-4-2 0,-1-3 0,-2-3 0,-1 2 0,1 3 0,0 4 0,1 5 0,1 4 0,2 3 0,1 3 0,0-3 0,-3-4 0,-3-6 0,-4-6 0,0-4 0,1 0 0,-5-9 0,3 1 0,-11-58 0,0 6 0,-6-52 0,-4 15 0,0-5 0,1-6 0,0-4 0,4 40 0,1-2 0,-1-3 0,0-2 0,1-1 0,0 0 0,1 0 0,2 1 0,1 4 0,0 2 0,2-42 0,0 12 0,0 6 0,0 3 0,0 3 0,0-3 0,0-2 0,0 2 0,0-2 0,0 0 0,0 3 0,0-3 0,0 0 0,0-1 0,0-3 0,0 0 0,0 3 0,0 5 0,0 11 0,0 15 0,0 10 0,0 21 0,0 61 0,0-19 0,0 45 0,0-46 0,0-1 0,0 1 0,0 1 0,0 3 0,0 3 0,0 7 0,0 8 0,0 9 0,0 3 0,0 5 0,0 1 0,0 3 0,0 2 0,0 2 0,0 3 0,0-4 0,0-5 0,0-8 0,0-9 0,-2-7 0,-1-4 0,0-2 0,0-3 0,3-2 0,0-2 0,0-1 0,-3-2 0,1-3 0,0 1 0,0 1 0,2 6 0,0 5 0,0 0 0,-2 2 0,-1 0 0,0 1 0,1 2 0,2-3 0,-2-1 0,0-2 0,-1-3 0,1-6 0,0-4 0,-1-6 0,1 2 0,-3 6 0,2 3 0,-1 6 0,-1 6 0,2 10 0,-2 13 0,0 4 0,2 1 0,-2-15 0,2-15 0,1-16 0,0-16 0,-31-45 0,-2-9 0,3 4 0,-3-3 0,4 3 0,0 0 0,0-2 0,-1 1 0,1 0 0,0 1 0,-29-37 0,6 10 0,-1 5 0,5 7 0,1 2 0,1 5 0,6 3 0,2 4 0,5 7 0,3 4 0,0 3 0,1 0 0,-1-2 0,-2 0 0,-1-1 0,-3-1 0,-3-1 0,-2 0 0,-5-1 0,-1 2 0,1 0 0,3 3 0,4 5 0,3 4 0,0 5 0,1 2 0,-2-2 0,0 2 0,-2 0 0,-1-1 0,0 1 0,-5-1 0,-1-2 0,1 1 0,4 0 0,7 0 0,7 5 0,11 2 0,4 1 0,10 3 0</inkml:trace>
-</inkml:ink>
-</file>
-
-<file path=ppt/ink/ink2.xml><?xml version="1.0" encoding="utf-8"?>
-<inkml:ink xmlns:inkml="http://www.w3.org/2003/InkML">
-  <inkml:definitions>
-    <inkml:context xml:id="ctx0">
-      <inkml:inkSource xml:id="inkSrc0">
-        <inkml:traceFormat>
-          <inkml:channel name="X" type="integer" min="-2.14748E9" max="2.14748E9" units="cm"/>
-          <inkml:channel name="Y" type="integer" min="-2.14748E9" max="2.14748E9" units="cm"/>
-          <inkml:channel name="F" type="integer" max="32767" units="dev"/>
-        </inkml:traceFormat>
-        <inkml:channelProperties>
-          <inkml:channelProperty channel="X" name="resolution" value="1000" units="1/cm"/>
-          <inkml:channelProperty channel="Y" name="resolution" value="1000" units="1/cm"/>
-          <inkml:channelProperty channel="F" name="resolution" value="0" units="1/dev"/>
-        </inkml:channelProperties>
-      </inkml:inkSource>
-      <inkml:timestamp xml:id="ts0" timeString="2022-02-21T21:47:21.765"/>
-    </inkml:context>
-    <inkml:brush xml:id="br0">
-      <inkml:brushProperty name="width" value="0.1" units="cm"/>
-      <inkml:brushProperty name="height" value="0.1" units="cm"/>
-    </inkml:brush>
-  </inkml:definitions>
-  <inkml:trace contextRef="#ctx0" brushRef="#br0">3052 1 24575,'-66'0'0,"12"0"0,-8 0 0,-26 0 0,-7 0-497,21 0 0,-2 0 1,-1 0 496,-5 0 0,-1 0 0,1 0 0,0 0 0,1 0 0,0 0 0,2 0 0,0 0 0,0 0 0,-5 0 0,-1 0 0,2 0 0,3 2 0,1 1 0,1 1 0,2 2 0,1 1 0,1 2 0,4 3 0,2 1 0,3 3 242,-21 10 0,4 2-242,9 0 0,5 0 123,11-2 1,6-1-124,-28 19 0,17-3 0,7-1 759,7-2-759,5-2 0,10-3 0,8-3 0,5 2 0,5 8 0,6 16 0,3 25 0,4-29 0,4 4 0,10 16 0,8 4 0,7 8 0,8 2-243,-2-21 1,5 0 0,4-1 242,5-1 0,4-2 0,2-2 0,3-1 0,3-2 0,3-3 0,9 2 0,3-1 0,2-4 0,-1-6 0,3-2 0,2-1-413,9 1 0,3-1 0,0-2 413,-2-5 0,0-2 0,0-2 0,-4-2 0,1-2 0,0-1 0,4 0 0,1 0 0,0-3 0,0-1 0,0-2 0,2-1 0,4-1 0,1-1 0,0-2 0,-1-2 0,1-1 0,-1-3 0,-5-1 0,-1-3 0,0-1 0,4 0 0,0-2 0,0-1 0,0-1 0,0-3 0,1-1 0,-22-2 0,1-1 0,0-1 0,0-2 0,0-1 0,1-2 0,-2-1 0,0-3 0,22-9 0,-2-3 0,-1-2 0,-1 0 0,-2-2 0,-1-1 0,-6 1 0,-2-2 0,-1 0 0,-3 0 0,-1-1 0,-1 0-122,-7 1 1,-1 1 0,-2 0 121,-5 1 0,-1 0 0,-3 1 0,13-9 0,-5 1 0,-17 9 0,-5 0 667,13-18-667,-22 1 1259,-12-13-1259,-10-20 202,-8 30 0,-2-2-202,-1-8 0,-3-2 0,-5-2 0,-3 0 0,-6 2 0,-6 3 0,-8 2 0,-7 4 0,-11 3 0,-6 4 0,-7 2 0,-5 3 0,-8 0 0,-3 3 0,-3 2 0,-2 3 0,0 2 0,-2 3 0,2 2 0,-1 3 0,-1 3 0,-1 2 0,-6 2 0,-1 3 0,-5 1 0,-1 3-182,28 4 0,0 1 0,-1 0 182,-1 1 0,0 0 0,0 0 0,3 0 0,1 0 0,1 1 0,-31-3 0,2 1-55,8 2 1,0 0 54,1 2 0,-1 1 0,-6 0 0,-3 1 0,26-1 0,0 1 0,-2 1-209,-3 0 0,-1 0 0,-1 2 209,-1 1 0,0 1 0,0 1 0,0 1 0,0 1 0,1 0 0,2 2 0,0 0 0,1 0 0,2 0 0,2-1 0,0 0 0,-28 1 0,2-1 0,7-2 0,8-2 0,-11-1 0,25-3 0</inkml:trace>
-</inkml:ink>
-</file>
-
-<file path=ppt/ink/ink3.xml><?xml version="1.0" encoding="utf-8"?>
-<inkml:ink xmlns:inkml="http://www.w3.org/2003/InkML">
-  <inkml:definitions>
-    <inkml:context xml:id="ctx0">
-      <inkml:inkSource xml:id="inkSrc0">
-        <inkml:traceFormat>
-          <inkml:channel name="X" type="integer" min="-2.14748E9" max="2.14748E9" units="cm"/>
-          <inkml:channel name="Y" type="integer" min="-2.14748E9" max="2.14748E9" units="cm"/>
-          <inkml:channel name="F" type="integer" max="32767" units="dev"/>
-        </inkml:traceFormat>
-        <inkml:channelProperties>
-          <inkml:channelProperty channel="X" name="resolution" value="1000" units="1/cm"/>
-          <inkml:channelProperty channel="Y" name="resolution" value="1000" units="1/cm"/>
-          <inkml:channelProperty channel="F" name="resolution" value="0" units="1/dev"/>
-        </inkml:channelProperties>
-      </inkml:inkSource>
-      <inkml:timestamp xml:id="ts0" timeString="2022-02-21T21:47:01.699"/>
-    </inkml:context>
-    <inkml:brush xml:id="br0">
-      <inkml:brushProperty name="width" value="0.1" units="cm"/>
-      <inkml:brushProperty name="height" value="0.1" units="cm"/>
-    </inkml:brush>
-  </inkml:definitions>
-  <inkml:trace contextRef="#ctx0" brushRef="#br0">2094 2 24575,'-72'0'0,"-13"0"0,31 0 0,-3 0 0,-5 0 0,-2 0 0,-1 0 0,-2 0 0,-4-1 0,-2 2 0,-1 5 0,0 4 0,-2 3 0,1 4 0,0 6 0,0 6 0,2 6 0,0 4 0,1 1 0,1 3 0,3 4 0,3 2 0,1 1 0,3 2 0,6-3 0,2 1 0,6-2 0,2-1 0,5-3 0,2 0 0,-21 31 0,17-8 0,15-6 0,13 2 0,8 9 0,5 15 0,4-37 0,2 1 0,4 4 0,4 1 0,3 2 0,5-1 0,5 1 0,5-3 0,3-1 0,4-2 0,6-3 0,4-2 0,8-1 0,6-3 0,11 0 0,4-4 0,11 1 0,6-2-314,-22-11 0,3-1 0,2-1 314,2-1 0,2 0 0,0-1 0,1-2 0,0 0 0,2 0 0,5 0 0,1 1 0,-2-2 0,-5-1 0,-2-1 0,1 0 0,0-1 0,1 0 0,-1 0 0,-1 0 0,0-1 0,-2-1 0,-4-2 0,0-1 0,-1 1 0,3-1 0,1 1 0,-1-1 0,-1-1 0,-1 0 0,0-1 0,0-1 0,-1 0 0,1-1-127,-2-1 1,1 0-1,-2-1 127,-2 0 0,-1-1 0,-1 0 0,26 2 0,-1-1 0,-9-1 0,-3-1 0,-6-2 0,-1-1 0,8 0 0,2-2 0,7 1 0,2 0-191,-23 0 1,1 0 0,1 0 190,4 0 0,0 0 0,1-1 0,-2-2 0,-1 0 0,1-1 0,4-3 0,0-1 0,-1-1 0,-2-1 0,-2-1 0,2-1 0,4-2 0,0-1 0,0 0 0,-2-1 0,-1 1 0,-1-2 0,-4 1 0,0-2 0,-1 0 0,-2-1 0,-1-2 0,-2 0 448,16-8 0,-4-2-448,-7-2 0,-3-1 193,-13 1 0,-5-2-193,-9 0 0,-3-1 0,24-39 0,-16 0 611,-9-1-611,-9-6 0,-7-5 0,-6-6 0,-7 0 0,-2 8 0,-3 8 0,0 6 0,-3-4 0,-11-4 0,-14-5 0,-13-4 0,12 43 0,-2 1 0,-2-2 0,-3 1 0,-2-1 0,-3 1 0,-7-3 0,-3 1 0,-7 1 0,-3 2 0,-7-1 0,-2 3 0,-4 2 0,-1 4 0,2 3 0,0 4 0,3 3 0,1 3 0,3 2 0,0 3 0,0 2 0,0 1 0,-2 1 0,-1 2 0,-5 1 0,-2 1 0,-4 1 0,-1 1 0,-3 0 0,0 0 0,-2 1 0,-1 1 0,-1-1 0,-1 0 0,-1 1 0,0 1 0,0 1 0,-1 2 0,-2 0 0,-1 0 0,-3 2 0,0 0 0,-4 0 0,0 0 0,32 0 0,-1 0 0,0 0 0,0 0 0,0 1 0,0 0 0,0 1 0,0 1 0,-1 2 0,-2 1 0,-1 0 0,1 2 0,-1 1 0,0 1 0,0 1 0,3 1 0,-1 0 0,2 0 0,-26 4 0,2-1 0,10-1 0,3-2 0,8 0 0,2-1 0,7-2 0,2-1 0,6-1 0,3 0 0,-38 3 0,14-7 0,7-1 0,6-2 0,6 0 0,5 0 0,4 0 0,-3 0 0,-1 0 0,-3 0 0,-3 0 0,0 0 0,-2-2 0,-1-3 0,-1-1 0,-3-3 0,5 0 0,4-1 0,9-1 0,7-1 0,9 3 0,9 0 0,5 3 0,4 2 0,5 2 0,0 2 0</inkml:trace>
-</inkml:ink>
-</file>
-
-<file path=ppt/ink/ink4.xml><?xml version="1.0" encoding="utf-8"?>
-<inkml:ink xmlns:inkml="http://www.w3.org/2003/InkML">
-  <inkml:definitions>
-    <inkml:context xml:id="ctx0">
-      <inkml:inkSource xml:id="inkSrc0">
-        <inkml:traceFormat>
-          <inkml:channel name="X" type="integer" min="-2.14748E9" max="2.14748E9" units="cm"/>
-          <inkml:channel name="Y" type="integer" min="-2.14748E9" max="2.14748E9" units="cm"/>
-          <inkml:channel name="F" type="integer" max="32767" units="dev"/>
-        </inkml:traceFormat>
-        <inkml:channelProperties>
-          <inkml:channelProperty channel="X" name="resolution" value="1000" units="1/cm"/>
-          <inkml:channelProperty channel="Y" name="resolution" value="1000" units="1/cm"/>
-          <inkml:channelProperty channel="F" name="resolution" value="0" units="1/dev"/>
-        </inkml:channelProperties>
-      </inkml:inkSource>
-      <inkml:timestamp xml:id="ts0" timeString="2022-02-21T21:47:07.833"/>
-    </inkml:context>
-    <inkml:brush xml:id="br0">
-      <inkml:brushProperty name="width" value="0.1" units="cm"/>
-      <inkml:brushProperty name="height" value="0.1" units="cm"/>
-    </inkml:brush>
-  </inkml:definitions>
-  <inkml:trace contextRef="#ctx0" brushRef="#br0">1776 153 24575,'-27'0'0,"-9"0"0,-12 0 0,-19 0 0,-26 0 0,40 0 0,-3 0 0,-4 0 0,-1 0 0,0 1 0,1 1 0,5 2 0,2 2 0,1 2 0,0 2 0,3 1 0,-1 2 0,-1 1 0,0 0 0,0 0 0,-1 1 0,3 0 0,0 0 0,-40 16 0,17-3 0,16-3 0,14-8 0,16-5 0,6-2 0,4-1 0,-1 0 0,-3 4 0,-2 1 0,-3 4 0,0 5 0,0 2 0,2 3 0,3 4 0,2-1 0,5 0 0,5 1 0,6 0 0,2 4 0,1 4 0,11 3 0,9 2 0,12 0 0,9 0 0,4 1 0,12 0 0,9 1 0,12 0 0,8 1 0,-41-25 0,1 0 0,1-1 0,0 0 0,0-2 0,1 0 0,4-1 0,2-2 0,2 1 0,2-2 0,3-1 0,2-2 0,1-1 0,0-2 0,-3-1 0,-2-1 0,-2-1 0,-2-1 0,-5 0 0,-1 0 0,41 5 0,-8-2 0,-3-1 0,3-4 0,4-1 0,8-3 0,-44 1 0,1-2 0,2 1 0,1 0 0,5 0 0,0 0 0,3 0 0,0 0 0,-1 0 0,1 0 0,-1 1 0,0-2 0,-2 1 0,-1-3 0,-1-1 0,-2-1 0,-3-2 0,-2-1 0,38-8 0,-16-3 0,-11-2 0,-7-5 0,-2-6 0,-6-1 0,-9 3 0,-9 7 0,-8 7 0,-9 4 0,-3 1 0,-4-7 0,0-11 0,0-11 0,-3-13 0,0-11 0,-2-13 0,0-9 0,0-3 0,-6 5 0,-7 10 0,-9 12 0,-11 6 0,-6 6 0,-5 4 0,-1 5 0,0 3 0,-4 1 0,-4 2 0,-8 0 0,-8 1 0,-2 2 0,1 4 0,4 1 0,2 4 0,2 2 0,3 3 0,1 3 0,1 2 0,2 3 0,3 2 0,4 3 0,-1 1 0,-2-1 0,-5 2 0,-5 1 0,4 1 0,-4 1 0,-5 0 0,-6 3 0,-12 8 0,-3 10 0,-1 7 0,10 0 0,15-4 0,8-1 0,30-13 0,2 2 0</inkml:trace>
-</inkml:ink>
-</file>
-
-<file path=ppt/ink/ink5.xml><?xml version="1.0" encoding="utf-8"?>
-<inkml:ink xmlns:inkml="http://www.w3.org/2003/InkML">
-  <inkml:definitions>
-    <inkml:context xml:id="ctx0">
-      <inkml:inkSource xml:id="inkSrc0">
-        <inkml:traceFormat>
-          <inkml:channel name="X" type="integer" min="-2.14748E9" max="2.14748E9" units="cm"/>
-          <inkml:channel name="Y" type="integer" min="-2.14748E9" max="2.14748E9" units="cm"/>
-          <inkml:channel name="F" type="integer" max="32767" units="dev"/>
-        </inkml:traceFormat>
-        <inkml:channelProperties>
-          <inkml:channelProperty channel="X" name="resolution" value="1000" units="1/cm"/>
-          <inkml:channelProperty channel="Y" name="resolution" value="1000" units="1/cm"/>
-          <inkml:channelProperty channel="F" name="resolution" value="0" units="1/dev"/>
-        </inkml:channelProperties>
-      </inkml:inkSource>
-      <inkml:timestamp xml:id="ts0" timeString="2022-02-21T21:47:12.583"/>
-    </inkml:context>
-    <inkml:brush xml:id="br0">
-      <inkml:brushProperty name="width" value="0.1" units="cm"/>
-      <inkml:brushProperty name="height" value="0.1" units="cm"/>
-    </inkml:brush>
-  </inkml:definitions>
-  <inkml:trace contextRef="#ctx0" brushRef="#br0">4114 417 24575,'-16'0'0,"-31"0"0,-5 0 0,-11 0 0,-28 0 0,-11 0-1025,13 0 1,-6 0 0,-3 0 1024,19 0 0,-3 0 0,0 0 0,0 0 0,-1 0 0,-1 0 0,1 0 0,0 0 0,0 0 0,0-1 0,1 1 0,0 1 0,2 0 0,2 0 0,-1 1 0,2 0 0,-22 3 0,1 1 0,1 2-70,3 1 0,1 1 0,1 2 70,6 2 0,2 1 0,2 1 0,9 0 0,2 0 0,3 1 384,-24 5 0,5 0-384,20-3 0,4 0 0,11-3 0,4-1 0,-35 15 1521,0 4-1521,-2 5 994,0 5-994,4 3 0,13 0 0,11-2 0,12-5 0,9-4 0,6 0 0,7 8 0,3 12 0,9 22 0,7-23 0,2 5 0,5 16 0,5 6 0,7 11 0,7 3-211,-2-27 1,3 1 0,4-1 210,4 0 0,3-1 0,3-2 0,3-2 0,3-2 0,2-1 0,0-4 0,2-2 0,2-2 0,0-5 0,1-2 0,3-3 0,26 15 0,5-5 0,-26-21 0,1-2 0,3-2 0,8 0 0,1-2 0,3-2 0,4-1 0,1-1 0,2-2 0,5 0 0,2 0 0,0-1-403,4 0 1,0 0 0,1-1 402,0 0 0,0 0 0,0-1 0,3 1 0,-1-1 0,2-1 0,-22-4 0,0 0 0,2-1 0,-1 0 0,4-1 0,-1-1 0,2-1 0,0 0-454,4 0 0,0-1 1,1-1-1,2-1 454,5 0 0,0-1 0,2-1 0,1 0-467,-14-2 1,0 0 0,0 0 0,2 0 0,1-1 466,4 1 0,2-1 0,1-1 0,0 1 0,1 0 0,-11 0 0,1 1 0,1-1 0,0 0 0,1 0 0,0-1-395,4 0 0,2 0 0,0-1 1,0 0-1,1-1 0,0 0 395,3 0 0,1-1 0,0 0 0,0-1 0,1 0 0,0-1 0,-11 0 0,1 0 0,-1-1 0,1 0 0,1-1 0,-1 0 0,0 0 0,0 0 0,0 0 0,1-1 0,-1-1 0,1 1 0,-2 0 0,1 0 0,10-1 0,0-1 0,-1 1 0,0 0 0,-1 0 0,-1-1 0,-4 2 0,-1-1 0,0 0 0,-1 1 0,-2-1 0,-1 1-107,6-1 1,-2 1 0,-2-1-1,-1 1 1,-2-1 106,12-1 0,-2 0 0,-2-1 0,-2 1 163,-10 2 0,-2-1 0,-2 1 0,-3 0-163,11-2 0,-4 0 0,-2 0 656,-9 1 1,-2 0 0,-3-1-657,9-2 0,-6-1 1658,-15 0 1,-6-2-1659,20-11 1991,-25 2-1991,-14 3 955,-5-4-955,-1-11 0,2-12 0,1-13 0,-2-5 0,-6-3 0,-7-7 0,-10-9 0,-9 33 0,-7-2 0,-9-9 0,-7-1 0,-11-6 0,-6 0 0,-9 1 0,-4 2 0,0 3 0,-3 3 0,-2 4 0,-3 2 0,17 19 0,-2 1 0,-2 0-223,-5-1 0,-1 1 0,-2 0 223,-5 0 0,-2 0 0,0 2 0,0 1 0,-1 2 0,2 0 0,3 3 0,2 1 0,0 0 0,0 1 0,0 1 0,0 1 0,0-1 0,1 1 0,0 0 0,-1-1 0,0 1 0,0-1 0,0 2 0,0-1 0,0 1 0,3 1 0,1 1 0,0-1-37,-28-9 0,2 1 37,3 0 0,2 0 0,2 0 0,-1-1 0,-7-1 0,-2 0-212,26 10 0,-1 1 0,-2 0 212,-3-1 0,-2 0 0,-1 1 0,-1-1 0,-1 1 0,1 1 0,3 0 0,0 0 0,1 2 0,3 0 0,2 2 0,-1 0 0,-30-4 0,0 2 0,3 5 0,0 3 0,0 4 0,0 3-52,0 0 0,1 1 52,6 2 0,3 0 320,5 2 1,3 0-321,6 2 0,2 1 37,4 2 1,1 0-38,3 2 0,2 1 328,1 0 0,1 0-328,0 0 0,0 0 55,0 1 1,0 0-56,0 2 0,1-1 0,4-1 0,1 0 0,-42 13 0,4 0 0,-7 3 0,42-8 0,-2 2 0,-6 4 0,-1 3 0,-5 3 0,0 3 0,-2 3 0,2 1 0,2-3 0,2 1 0,7-3 0,4 0 0,-30 22 0,25-14 0,23 0 0,15-5 0,10-13 0,6-4 0</inkml:trace>
-</inkml:ink>
 </file>
 
 <file path=ppt/notesMasters/notesMaster1.xml><?xml version="1.0" encoding="utf-8"?>
@@ -3018,7 +2873,7 @@
           <a:p>
             <a:fld id="{67D95C54-6F9B-4C49-BF56-4D62B2D71ED9}" type="datetimeFigureOut">
               <a:rPr lang="nl-NL" smtClean="0"/>
-              <a:t>22-03-2022</a:t>
+              <a:t>1-11-2023</a:t>
             </a:fld>
             <a:endParaRPr lang="nl-NL"/>
           </a:p>
@@ -3176,7 +3031,7 @@
           <a:p>
             <a:fld id="{03F426EE-4AAC-45A7-A5E5-372300C4F3E7}" type="slidenum">
               <a:rPr lang="nl-NL" smtClean="0"/>
-              <a:t>‹#›</a:t>
+              <a:t>‹nr.›</a:t>
             </a:fld>
             <a:endParaRPr lang="nl-NL"/>
           </a:p>
@@ -7326,8 +7181,8 @@
           <a:lstStyle/>
           <a:p>
             <a:r>
-              <a:rPr lang="nl-NL" sz="8800" dirty="0"/>
-              <a:t>IOT WEMOS</a:t>
+              <a:rPr lang="nl-NL" sz="8800" dirty="0" err="1"/>
+              <a:t>microPython</a:t>
             </a:r>
             <a:br>
               <a:rPr lang="nl-NL" sz="8800" dirty="0"/>
@@ -7384,714 +7239,6 @@
     <p:extLst>
       <p:ext uri="{BB962C8B-B14F-4D97-AF65-F5344CB8AC3E}">
         <p14:creationId xmlns:p14="http://schemas.microsoft.com/office/powerpoint/2010/main" val="248983296"/>
-      </p:ext>
-    </p:extLst>
-  </p:cSld>
-  <p:clrMapOvr>
-    <a:masterClrMapping/>
-  </p:clrMapOvr>
-</p:sld>
-</file>
-
-<file path=ppt/slides/slide10.xml><?xml version="1.0" encoding="utf-8"?>
-<p:sld xmlns:a="http://schemas.openxmlformats.org/drawingml/2006/main" xmlns:r="http://schemas.openxmlformats.org/officeDocument/2006/relationships" xmlns:p="http://schemas.openxmlformats.org/presentationml/2006/main">
-  <p:cSld>
-    <p:spTree>
-      <p:nvGrpSpPr>
-        <p:cNvPr id="1" name=""/>
-        <p:cNvGrpSpPr/>
-        <p:nvPr/>
-      </p:nvGrpSpPr>
-      <p:grpSpPr>
-        <a:xfrm>
-          <a:off x="0" y="0"/>
-          <a:ext cx="0" cy="0"/>
-          <a:chOff x="0" y="0"/>
-          <a:chExt cx="0" cy="0"/>
-        </a:xfrm>
-      </p:grpSpPr>
-      <p:sp>
-        <p:nvSpPr>
-          <p:cNvPr id="2" name="Title 1">
-            <a:extLst>
-              <a:ext uri="{FF2B5EF4-FFF2-40B4-BE49-F238E27FC236}">
-                <a16:creationId xmlns:a16="http://schemas.microsoft.com/office/drawing/2014/main" id="{D7F3C089-6C49-0140-B18F-4CF0048721AF}"/>
-              </a:ext>
-            </a:extLst>
-          </p:cNvPr>
-          <p:cNvSpPr>
-            <a:spLocks noGrp="1"/>
-          </p:cNvSpPr>
-          <p:nvPr>
-            <p:ph type="title"/>
-          </p:nvPr>
-        </p:nvSpPr>
-        <p:spPr/>
-        <p:txBody>
-          <a:bodyPr/>
-          <a:lstStyle/>
-          <a:p>
-            <a:r>
-              <a:rPr lang="en-NL" dirty="0"/>
-              <a:t>Save umqttsimple.py op de WeMos</a:t>
-            </a:r>
-          </a:p>
-        </p:txBody>
-      </p:sp>
-      <p:pic>
-        <p:nvPicPr>
-          <p:cNvPr id="5" name="Picture 4">
-            <a:extLst>
-              <a:ext uri="{FF2B5EF4-FFF2-40B4-BE49-F238E27FC236}">
-                <a16:creationId xmlns:a16="http://schemas.microsoft.com/office/drawing/2014/main" id="{17B1C13C-FA3D-9B43-9D43-43D083B28A89}"/>
-              </a:ext>
-            </a:extLst>
-          </p:cNvPr>
-          <p:cNvPicPr>
-            <a:picLocks noChangeAspect="1"/>
-          </p:cNvPicPr>
-          <p:nvPr/>
-        </p:nvPicPr>
-        <p:blipFill>
-          <a:blip r:embed="rId2"/>
-          <a:stretch>
-            <a:fillRect/>
-          </a:stretch>
-        </p:blipFill>
-        <p:spPr>
-          <a:xfrm>
-            <a:off x="836612" y="1509346"/>
-            <a:ext cx="6093070" cy="5190393"/>
-          </a:xfrm>
-          <a:prstGeom prst="rect">
-            <a:avLst/>
-          </a:prstGeom>
-        </p:spPr>
-      </p:pic>
-      <p:pic>
-        <p:nvPicPr>
-          <p:cNvPr id="6" name="Picture 5">
-            <a:extLst>
-              <a:ext uri="{FF2B5EF4-FFF2-40B4-BE49-F238E27FC236}">
-                <a16:creationId xmlns:a16="http://schemas.microsoft.com/office/drawing/2014/main" id="{29DCD7B8-D4DE-904E-9330-C010E1A9305B}"/>
-              </a:ext>
-            </a:extLst>
-          </p:cNvPr>
-          <p:cNvPicPr>
-            <a:picLocks noChangeAspect="1"/>
-          </p:cNvPicPr>
-          <p:nvPr/>
-        </p:nvPicPr>
-        <p:blipFill>
-          <a:blip r:embed="rId3"/>
-          <a:stretch>
-            <a:fillRect/>
-          </a:stretch>
-        </p:blipFill>
-        <p:spPr>
-          <a:xfrm>
-            <a:off x="6471713" y="1714866"/>
-            <a:ext cx="5720287" cy="2389676"/>
-          </a:xfrm>
-          <a:prstGeom prst="rect">
-            <a:avLst/>
-          </a:prstGeom>
-        </p:spPr>
-      </p:pic>
-      <p:pic>
-        <p:nvPicPr>
-          <p:cNvPr id="7" name="Picture 6">
-            <a:extLst>
-              <a:ext uri="{FF2B5EF4-FFF2-40B4-BE49-F238E27FC236}">
-                <a16:creationId xmlns:a16="http://schemas.microsoft.com/office/drawing/2014/main" id="{EB0C4BE1-6A78-5A41-A372-B530C43AC4BF}"/>
-              </a:ext>
-            </a:extLst>
-          </p:cNvPr>
-          <p:cNvPicPr>
-            <a:picLocks noChangeAspect="1"/>
-          </p:cNvPicPr>
-          <p:nvPr/>
-        </p:nvPicPr>
-        <p:blipFill>
-          <a:blip r:embed="rId4"/>
-          <a:stretch>
-            <a:fillRect/>
-          </a:stretch>
-        </p:blipFill>
-        <p:spPr>
-          <a:xfrm>
-            <a:off x="6664568" y="4527062"/>
-            <a:ext cx="7702861" cy="1615830"/>
-          </a:xfrm>
-          <a:prstGeom prst="rect">
-            <a:avLst/>
-          </a:prstGeom>
-        </p:spPr>
-      </p:pic>
-      <mc:AlternateContent xmlns:mc="http://schemas.openxmlformats.org/markup-compatibility/2006" xmlns:p14="http://schemas.microsoft.com/office/powerpoint/2010/main">
-        <mc:Choice Requires="p14">
-          <p:contentPart p14:bwMode="auto" r:id="rId5">
-            <p14:nvContentPartPr>
-              <p14:cNvPr id="17" name="Ink 16">
-                <a:extLst>
-                  <a:ext uri="{FF2B5EF4-FFF2-40B4-BE49-F238E27FC236}">
-                    <a16:creationId xmlns:a16="http://schemas.microsoft.com/office/drawing/2014/main" id="{5B5932A8-7762-6C48-B3CA-1EE7C1FB2B21}"/>
-                  </a:ext>
-                </a:extLst>
-              </p14:cNvPr>
-              <p14:cNvContentPartPr/>
-              <p14:nvPr/>
-            </p14:nvContentPartPr>
-            <p14:xfrm>
-              <a:off x="9214477" y="4300929"/>
-              <a:ext cx="2651400" cy="963720"/>
-            </p14:xfrm>
-          </p:contentPart>
-        </mc:Choice>
-        <mc:Fallback xmlns="">
-          <p:pic>
-            <p:nvPicPr>
-              <p:cNvPr id="17" name="Ink 16">
-                <a:extLst>
-                  <a:ext uri="{FF2B5EF4-FFF2-40B4-BE49-F238E27FC236}">
-                    <a16:creationId xmlns:a16="http://schemas.microsoft.com/office/drawing/2014/main" id="{5B5932A8-7762-6C48-B3CA-1EE7C1FB2B21}"/>
-                  </a:ext>
-                </a:extLst>
-              </p:cNvPr>
-              <p:cNvPicPr/>
-              <p:nvPr/>
-            </p:nvPicPr>
-            <p:blipFill>
-              <a:blip r:embed="rId6"/>
-              <a:stretch>
-                <a:fillRect/>
-              </a:stretch>
-            </p:blipFill>
-            <p:spPr>
-              <a:xfrm>
-                <a:off x="9196837" y="4283289"/>
-                <a:ext cx="2687040" cy="999360"/>
-              </a:xfrm>
-              <a:prstGeom prst="rect">
-                <a:avLst/>
-              </a:prstGeom>
-            </p:spPr>
-          </p:pic>
-        </mc:Fallback>
-      </mc:AlternateContent>
-      <mc:AlternateContent xmlns:mc="http://schemas.openxmlformats.org/markup-compatibility/2006" xmlns:p14="http://schemas.microsoft.com/office/powerpoint/2010/main">
-        <mc:Choice Requires="p14">
-          <p:contentPart p14:bwMode="auto" r:id="rId7">
-            <p14:nvContentPartPr>
-              <p14:cNvPr id="18" name="Ink 17">
-                <a:extLst>
-                  <a:ext uri="{FF2B5EF4-FFF2-40B4-BE49-F238E27FC236}">
-                    <a16:creationId xmlns:a16="http://schemas.microsoft.com/office/drawing/2014/main" id="{B1EBA120-B374-A04C-9673-3A0D0246AC45}"/>
-                  </a:ext>
-                </a:extLst>
-              </p14:cNvPr>
-              <p14:cNvContentPartPr/>
-              <p14:nvPr/>
-            </p14:nvContentPartPr>
-            <p14:xfrm>
-              <a:off x="7433557" y="3479049"/>
-              <a:ext cx="1303200" cy="551160"/>
-            </p14:xfrm>
-          </p:contentPart>
-        </mc:Choice>
-        <mc:Fallback xmlns="">
-          <p:pic>
-            <p:nvPicPr>
-              <p:cNvPr id="18" name="Ink 17">
-                <a:extLst>
-                  <a:ext uri="{FF2B5EF4-FFF2-40B4-BE49-F238E27FC236}">
-                    <a16:creationId xmlns:a16="http://schemas.microsoft.com/office/drawing/2014/main" id="{B1EBA120-B374-A04C-9673-3A0D0246AC45}"/>
-                  </a:ext>
-                </a:extLst>
-              </p:cNvPr>
-              <p:cNvPicPr/>
-              <p:nvPr/>
-            </p:nvPicPr>
-            <p:blipFill>
-              <a:blip r:embed="rId8"/>
-              <a:stretch>
-                <a:fillRect/>
-              </a:stretch>
-            </p:blipFill>
-            <p:spPr>
-              <a:xfrm>
-                <a:off x="7415917" y="3461409"/>
-                <a:ext cx="1338840" cy="586800"/>
-              </a:xfrm>
-              <a:prstGeom prst="rect">
-                <a:avLst/>
-              </a:prstGeom>
-            </p:spPr>
-          </p:pic>
-        </mc:Fallback>
-      </mc:AlternateContent>
-      <mc:AlternateContent xmlns:mc="http://schemas.openxmlformats.org/markup-compatibility/2006" xmlns:p14="http://schemas.microsoft.com/office/powerpoint/2010/main">
-        <mc:Choice Requires="p14">
-          <p:contentPart p14:bwMode="auto" r:id="rId9">
-            <p14:nvContentPartPr>
-              <p14:cNvPr id="19" name="Ink 18">
-                <a:extLst>
-                  <a:ext uri="{FF2B5EF4-FFF2-40B4-BE49-F238E27FC236}">
-                    <a16:creationId xmlns:a16="http://schemas.microsoft.com/office/drawing/2014/main" id="{8DD1D3DC-0D1A-D048-9533-65841784BD7B}"/>
-                  </a:ext>
-                </a:extLst>
-              </p14:cNvPr>
-              <p14:cNvContentPartPr/>
-              <p14:nvPr/>
-            </p14:nvContentPartPr>
-            <p14:xfrm>
-              <a:off x="1989277" y="4826529"/>
-              <a:ext cx="3878280" cy="1190880"/>
-            </p14:xfrm>
-          </p:contentPart>
-        </mc:Choice>
-        <mc:Fallback xmlns="">
-          <p:pic>
-            <p:nvPicPr>
-              <p:cNvPr id="19" name="Ink 18">
-                <a:extLst>
-                  <a:ext uri="{FF2B5EF4-FFF2-40B4-BE49-F238E27FC236}">
-                    <a16:creationId xmlns:a16="http://schemas.microsoft.com/office/drawing/2014/main" id="{8DD1D3DC-0D1A-D048-9533-65841784BD7B}"/>
-                  </a:ext>
-                </a:extLst>
-              </p:cNvPr>
-              <p:cNvPicPr/>
-              <p:nvPr/>
-            </p:nvPicPr>
-            <p:blipFill>
-              <a:blip r:embed="rId10"/>
-              <a:stretch>
-                <a:fillRect/>
-              </a:stretch>
-            </p:blipFill>
-            <p:spPr>
-              <a:xfrm>
-                <a:off x="1971277" y="4808889"/>
-                <a:ext cx="3913920" cy="1226520"/>
-              </a:xfrm>
-              <a:prstGeom prst="rect">
-                <a:avLst/>
-              </a:prstGeom>
-            </p:spPr>
-          </p:pic>
-        </mc:Fallback>
-      </mc:AlternateContent>
-    </p:spTree>
-    <p:extLst>
-      <p:ext uri="{BB962C8B-B14F-4D97-AF65-F5344CB8AC3E}">
-        <p14:creationId xmlns:p14="http://schemas.microsoft.com/office/powerpoint/2010/main" val="1632441430"/>
-      </p:ext>
-    </p:extLst>
-  </p:cSld>
-  <p:clrMapOvr>
-    <a:masterClrMapping/>
-  </p:clrMapOvr>
-</p:sld>
-</file>
-
-<file path=ppt/slides/slide11.xml><?xml version="1.0" encoding="utf-8"?>
-<p:sld xmlns:a="http://schemas.openxmlformats.org/drawingml/2006/main" xmlns:r="http://schemas.openxmlformats.org/officeDocument/2006/relationships" xmlns:p="http://schemas.openxmlformats.org/presentationml/2006/main">
-  <p:cSld>
-    <p:spTree>
-      <p:nvGrpSpPr>
-        <p:cNvPr id="1" name=""/>
-        <p:cNvGrpSpPr/>
-        <p:nvPr/>
-      </p:nvGrpSpPr>
-      <p:grpSpPr>
-        <a:xfrm>
-          <a:off x="0" y="0"/>
-          <a:ext cx="0" cy="0"/>
-          <a:chOff x="0" y="0"/>
-          <a:chExt cx="0" cy="0"/>
-        </a:xfrm>
-      </p:grpSpPr>
-      <p:sp>
-        <p:nvSpPr>
-          <p:cNvPr id="2" name="Title 1">
-            <a:extLst>
-              <a:ext uri="{FF2B5EF4-FFF2-40B4-BE49-F238E27FC236}">
-                <a16:creationId xmlns:a16="http://schemas.microsoft.com/office/drawing/2014/main" id="{801C2E31-0693-804C-8242-63A608978AD0}"/>
-              </a:ext>
-            </a:extLst>
-          </p:cNvPr>
-          <p:cNvSpPr>
-            <a:spLocks noGrp="1"/>
-          </p:cNvSpPr>
-          <p:nvPr>
-            <p:ph type="title"/>
-          </p:nvPr>
-        </p:nvSpPr>
-        <p:spPr/>
-        <p:txBody>
-          <a:bodyPr/>
-          <a:lstStyle/>
-          <a:p>
-            <a:r>
-              <a:rPr lang="en-NL" dirty="0"/>
-              <a:t>Nu MQTT Subscriber op de WeMos</a:t>
-            </a:r>
-          </a:p>
-        </p:txBody>
-      </p:sp>
-      <p:sp>
-        <p:nvSpPr>
-          <p:cNvPr id="3" name="Content Placeholder 2">
-            <a:extLst>
-              <a:ext uri="{FF2B5EF4-FFF2-40B4-BE49-F238E27FC236}">
-                <a16:creationId xmlns:a16="http://schemas.microsoft.com/office/drawing/2014/main" id="{2A412982-F400-9447-A05C-545D89FAAFEF}"/>
-              </a:ext>
-            </a:extLst>
-          </p:cNvPr>
-          <p:cNvSpPr>
-            <a:spLocks noGrp="1"/>
-          </p:cNvSpPr>
-          <p:nvPr>
-            <p:ph sz="half" idx="2"/>
-          </p:nvPr>
-        </p:nvSpPr>
-        <p:spPr/>
-        <p:txBody>
-          <a:bodyPr/>
-          <a:lstStyle/>
-          <a:p>
-            <a:endParaRPr lang="en-NL"/>
-          </a:p>
-        </p:txBody>
-      </p:sp>
-      <p:pic>
-        <p:nvPicPr>
-          <p:cNvPr id="4" name="Picture 3">
-            <a:extLst>
-              <a:ext uri="{FF2B5EF4-FFF2-40B4-BE49-F238E27FC236}">
-                <a16:creationId xmlns:a16="http://schemas.microsoft.com/office/drawing/2014/main" id="{1DE59234-EC30-1744-B900-C4167598C570}"/>
-              </a:ext>
-            </a:extLst>
-          </p:cNvPr>
-          <p:cNvPicPr>
-            <a:picLocks noChangeAspect="1"/>
-          </p:cNvPicPr>
-          <p:nvPr/>
-        </p:nvPicPr>
-        <p:blipFill>
-          <a:blip r:embed="rId2"/>
-          <a:stretch>
-            <a:fillRect/>
-          </a:stretch>
-        </p:blipFill>
-        <p:spPr>
-          <a:xfrm>
-            <a:off x="602150" y="1690688"/>
-            <a:ext cx="11164348" cy="4628050"/>
-          </a:xfrm>
-          <a:prstGeom prst="rect">
-            <a:avLst/>
-          </a:prstGeom>
-        </p:spPr>
-      </p:pic>
-    </p:spTree>
-    <p:extLst>
-      <p:ext uri="{BB962C8B-B14F-4D97-AF65-F5344CB8AC3E}">
-        <p14:creationId xmlns:p14="http://schemas.microsoft.com/office/powerpoint/2010/main" val="935788302"/>
-      </p:ext>
-    </p:extLst>
-  </p:cSld>
-  <p:clrMapOvr>
-    <a:masterClrMapping/>
-  </p:clrMapOvr>
-</p:sld>
-</file>
-
-<file path=ppt/slides/slide12.xml><?xml version="1.0" encoding="utf-8"?>
-<p:sld xmlns:a="http://schemas.openxmlformats.org/drawingml/2006/main" xmlns:r="http://schemas.openxmlformats.org/officeDocument/2006/relationships" xmlns:p="http://schemas.openxmlformats.org/presentationml/2006/main">
-  <p:cSld>
-    <p:spTree>
-      <p:nvGrpSpPr>
-        <p:cNvPr id="1" name=""/>
-        <p:cNvGrpSpPr/>
-        <p:nvPr/>
-      </p:nvGrpSpPr>
-      <p:grpSpPr>
-        <a:xfrm>
-          <a:off x="0" y="0"/>
-          <a:ext cx="0" cy="0"/>
-          <a:chOff x="0" y="0"/>
-          <a:chExt cx="0" cy="0"/>
-        </a:xfrm>
-      </p:grpSpPr>
-      <p:sp>
-        <p:nvSpPr>
-          <p:cNvPr id="2" name="Title 1">
-            <a:extLst>
-              <a:ext uri="{FF2B5EF4-FFF2-40B4-BE49-F238E27FC236}">
-                <a16:creationId xmlns:a16="http://schemas.microsoft.com/office/drawing/2014/main" id="{9F30CF18-815D-1642-9275-D3B239053AB4}"/>
-              </a:ext>
-            </a:extLst>
-          </p:cNvPr>
-          <p:cNvSpPr>
-            <a:spLocks noGrp="1"/>
-          </p:cNvSpPr>
-          <p:nvPr>
-            <p:ph type="title"/>
-          </p:nvPr>
-        </p:nvSpPr>
-        <p:spPr/>
-        <p:txBody>
-          <a:bodyPr/>
-          <a:lstStyle/>
-          <a:p>
-            <a:r>
-              <a:rPr lang="en-NL" dirty="0"/>
-              <a:t>Berichten Subscriben</a:t>
-            </a:r>
-          </a:p>
-        </p:txBody>
-      </p:sp>
-      <p:sp>
-        <p:nvSpPr>
-          <p:cNvPr id="3" name="Content Placeholder 2">
-            <a:extLst>
-              <a:ext uri="{FF2B5EF4-FFF2-40B4-BE49-F238E27FC236}">
-                <a16:creationId xmlns:a16="http://schemas.microsoft.com/office/drawing/2014/main" id="{C1F06574-9800-C445-959D-F31B8DCCD4C9}"/>
-              </a:ext>
-            </a:extLst>
-          </p:cNvPr>
-          <p:cNvSpPr>
-            <a:spLocks noGrp="1"/>
-          </p:cNvSpPr>
-          <p:nvPr>
-            <p:ph sz="half" idx="2"/>
-          </p:nvPr>
-        </p:nvSpPr>
-        <p:spPr/>
-        <p:txBody>
-          <a:bodyPr>
-            <a:normAutofit/>
-          </a:bodyPr>
-          <a:lstStyle/>
-          <a:p>
-            <a:r>
-              <a:rPr lang="en-NL" sz="4400" dirty="0"/>
-              <a:t>Gebruik de code op It’s Learning om te subscriben op een bericht.</a:t>
-            </a:r>
-          </a:p>
-          <a:p>
-            <a:r>
-              <a:rPr lang="en-NL" sz="4400" dirty="0"/>
-              <a:t>Laat de minimale, maximale en huidige waarde zien van de meting,</a:t>
-            </a:r>
-          </a:p>
-        </p:txBody>
-      </p:sp>
-    </p:spTree>
-    <p:extLst>
-      <p:ext uri="{BB962C8B-B14F-4D97-AF65-F5344CB8AC3E}">
-        <p14:creationId xmlns:p14="http://schemas.microsoft.com/office/powerpoint/2010/main" val="1484023403"/>
-      </p:ext>
-    </p:extLst>
-  </p:cSld>
-  <p:clrMapOvr>
-    <a:masterClrMapping/>
-  </p:clrMapOvr>
-</p:sld>
-</file>
-
-<file path=ppt/slides/slide13.xml><?xml version="1.0" encoding="utf-8"?>
-<p:sld xmlns:a="http://schemas.openxmlformats.org/drawingml/2006/main" xmlns:r="http://schemas.openxmlformats.org/officeDocument/2006/relationships" xmlns:p="http://schemas.openxmlformats.org/presentationml/2006/main">
-  <p:cSld>
-    <p:spTree>
-      <p:nvGrpSpPr>
-        <p:cNvPr id="1" name=""/>
-        <p:cNvGrpSpPr/>
-        <p:nvPr/>
-      </p:nvGrpSpPr>
-      <p:grpSpPr>
-        <a:xfrm>
-          <a:off x="0" y="0"/>
-          <a:ext cx="0" cy="0"/>
-          <a:chOff x="0" y="0"/>
-          <a:chExt cx="0" cy="0"/>
-        </a:xfrm>
-      </p:grpSpPr>
-      <p:sp>
-        <p:nvSpPr>
-          <p:cNvPr id="2" name="Title 1">
-            <a:extLst>
-              <a:ext uri="{FF2B5EF4-FFF2-40B4-BE49-F238E27FC236}">
-                <a16:creationId xmlns:a16="http://schemas.microsoft.com/office/drawing/2014/main" id="{6F8E53C6-5795-2845-8E84-8A0D9081E963}"/>
-              </a:ext>
-            </a:extLst>
-          </p:cNvPr>
-          <p:cNvSpPr>
-            <a:spLocks noGrp="1"/>
-          </p:cNvSpPr>
-          <p:nvPr>
-            <p:ph type="title"/>
-          </p:nvPr>
-        </p:nvSpPr>
-        <p:spPr/>
-        <p:txBody>
-          <a:bodyPr/>
-          <a:lstStyle/>
-          <a:p>
-            <a:r>
-              <a:rPr lang="en-NL" dirty="0"/>
-              <a:t>Dit willen we ontvangen</a:t>
-            </a:r>
-          </a:p>
-        </p:txBody>
-      </p:sp>
-      <p:sp>
-        <p:nvSpPr>
-          <p:cNvPr id="3" name="Content Placeholder 2">
-            <a:extLst>
-              <a:ext uri="{FF2B5EF4-FFF2-40B4-BE49-F238E27FC236}">
-                <a16:creationId xmlns:a16="http://schemas.microsoft.com/office/drawing/2014/main" id="{0494D0F7-58B9-1D4A-B7C7-FC0D93828776}"/>
-              </a:ext>
-            </a:extLst>
-          </p:cNvPr>
-          <p:cNvSpPr>
-            <a:spLocks noGrp="1"/>
-          </p:cNvSpPr>
-          <p:nvPr>
-            <p:ph sz="half" idx="2"/>
-          </p:nvPr>
-        </p:nvSpPr>
-        <p:spPr/>
-        <p:txBody>
-          <a:bodyPr/>
-          <a:lstStyle/>
-          <a:p>
-            <a:endParaRPr lang="en-NL"/>
-          </a:p>
-        </p:txBody>
-      </p:sp>
-      <p:pic>
-        <p:nvPicPr>
-          <p:cNvPr id="4" name="Picture 3">
-            <a:extLst>
-              <a:ext uri="{FF2B5EF4-FFF2-40B4-BE49-F238E27FC236}">
-                <a16:creationId xmlns:a16="http://schemas.microsoft.com/office/drawing/2014/main" id="{8CA3FA98-5712-8E4B-A427-AB9265FD51BE}"/>
-              </a:ext>
-            </a:extLst>
-          </p:cNvPr>
-          <p:cNvPicPr>
-            <a:picLocks noChangeAspect="1"/>
-          </p:cNvPicPr>
-          <p:nvPr/>
-        </p:nvPicPr>
-        <p:blipFill>
-          <a:blip r:embed="rId2"/>
-          <a:stretch>
-            <a:fillRect/>
-          </a:stretch>
-        </p:blipFill>
-        <p:spPr>
-          <a:xfrm>
-            <a:off x="509354" y="1715400"/>
-            <a:ext cx="13237860" cy="4462200"/>
-          </a:xfrm>
-          <a:prstGeom prst="rect">
-            <a:avLst/>
-          </a:prstGeom>
-        </p:spPr>
-      </p:pic>
-    </p:spTree>
-    <p:extLst>
-      <p:ext uri="{BB962C8B-B14F-4D97-AF65-F5344CB8AC3E}">
-        <p14:creationId xmlns:p14="http://schemas.microsoft.com/office/powerpoint/2010/main" val="3033661920"/>
-      </p:ext>
-    </p:extLst>
-  </p:cSld>
-  <p:clrMapOvr>
-    <a:masterClrMapping/>
-  </p:clrMapOvr>
-</p:sld>
-</file>
-
-<file path=ppt/slides/slide14.xml><?xml version="1.0" encoding="utf-8"?>
-<p:sld xmlns:a="http://schemas.openxmlformats.org/drawingml/2006/main" xmlns:r="http://schemas.openxmlformats.org/officeDocument/2006/relationships" xmlns:p="http://schemas.openxmlformats.org/presentationml/2006/main">
-  <p:cSld>
-    <p:spTree>
-      <p:nvGrpSpPr>
-        <p:cNvPr id="1" name=""/>
-        <p:cNvGrpSpPr/>
-        <p:nvPr/>
-      </p:nvGrpSpPr>
-      <p:grpSpPr>
-        <a:xfrm>
-          <a:off x="0" y="0"/>
-          <a:ext cx="0" cy="0"/>
-          <a:chOff x="0" y="0"/>
-          <a:chExt cx="0" cy="0"/>
-        </a:xfrm>
-      </p:grpSpPr>
-      <p:sp>
-        <p:nvSpPr>
-          <p:cNvPr id="2" name="Titel 4">
-            <a:extLst>
-              <a:ext uri="{FF2B5EF4-FFF2-40B4-BE49-F238E27FC236}">
-                <a16:creationId xmlns:a16="http://schemas.microsoft.com/office/drawing/2014/main" id="{5C3B8EC0-2D4E-0A44-B38A-F2B3A1348F59}"/>
-              </a:ext>
-            </a:extLst>
-          </p:cNvPr>
-          <p:cNvSpPr txBox="1">
-            <a:spLocks/>
-          </p:cNvSpPr>
-          <p:nvPr/>
-        </p:nvSpPr>
-        <p:spPr>
-          <a:xfrm>
-            <a:off x="839788" y="365125"/>
-            <a:ext cx="10515600" cy="1325563"/>
-          </a:xfrm>
-          <a:prstGeom prst="rect">
-            <a:avLst/>
-          </a:prstGeom>
-        </p:spPr>
-        <p:txBody>
-          <a:bodyPr/>
-          <a:lstStyle>
-            <a:lvl1pPr algn="l" defTabSz="914400" rtl="0" eaLnBrk="1" latinLnBrk="0" hangingPunct="1">
-              <a:lnSpc>
-                <a:spcPct val="90000"/>
-              </a:lnSpc>
-              <a:spcBef>
-                <a:spcPct val="0"/>
-              </a:spcBef>
-              <a:buNone/>
-              <a:defRPr sz="2600" kern="1200">
-                <a:solidFill>
-                  <a:srgbClr val="00A78E"/>
-                </a:solidFill>
-                <a:latin typeface="Arial Black" panose="020B0A04020102020204" pitchFamily="34" charset="0"/>
-                <a:ea typeface="+mj-ea"/>
-                <a:cs typeface="+mj-cs"/>
-              </a:defRPr>
-            </a:lvl1pPr>
-          </a:lstStyle>
-          <a:p>
-            <a:r>
-              <a:rPr lang="en-GB" b="1" dirty="0" err="1"/>
-              <a:t>Vragen</a:t>
-            </a:r>
-            <a:r>
-              <a:rPr lang="en-GB" b="1" dirty="0"/>
-              <a:t> ?????</a:t>
-            </a:r>
-            <a:endParaRPr lang="nl-NL" dirty="0"/>
-          </a:p>
-        </p:txBody>
-      </p:sp>
-    </p:spTree>
-    <p:extLst>
-      <p:ext uri="{BB962C8B-B14F-4D97-AF65-F5344CB8AC3E}">
-        <p14:creationId xmlns:p14="http://schemas.microsoft.com/office/powerpoint/2010/main" val="4244846622"/>
       </p:ext>
     </p:extLst>
   </p:cSld>
@@ -8120,13 +7267,7 @@
       </p:grpSpPr>
       <p:sp>
         <p:nvSpPr>
-          <p:cNvPr id="2" name="Title 1">
-            <a:extLst>
-              <a:ext uri="{FF2B5EF4-FFF2-40B4-BE49-F238E27FC236}">
-                <a16:creationId xmlns:a16="http://schemas.microsoft.com/office/drawing/2014/main" id="{3F064048-ECE0-6F40-9319-B8765090EAD9}"/>
-              </a:ext>
-            </a:extLst>
-          </p:cNvPr>
+          <p:cNvPr id="2" name="Titel 1"/>
           <p:cNvSpPr>
             <a:spLocks noGrp="1"/>
           </p:cNvSpPr>
@@ -8140,18 +7281,19 @@
           <a:lstStyle/>
           <a:p>
             <a:r>
-              <a:rPr lang="en-NL" dirty="0"/>
-              <a:t>NETWORK</a:t>
-            </a:r>
+              <a:rPr lang="nl-NL" dirty="0" err="1"/>
+              <a:t>Publish</a:t>
+            </a:r>
+            <a:endParaRPr lang="nl-NL" dirty="0"/>
           </a:p>
         </p:txBody>
       </p:sp>
       <p:sp>
         <p:nvSpPr>
-          <p:cNvPr id="3" name="Content Placeholder 2">
+          <p:cNvPr id="4" name="Content Placeholder 3">
             <a:extLst>
               <a:ext uri="{FF2B5EF4-FFF2-40B4-BE49-F238E27FC236}">
-                <a16:creationId xmlns:a16="http://schemas.microsoft.com/office/drawing/2014/main" id="{64A9B1DA-629A-6F46-AA3B-851465A841F7}"/>
+                <a16:creationId xmlns:a16="http://schemas.microsoft.com/office/drawing/2014/main" id="{EE394875-DE1A-7B4E-8D4A-8031D45FE1C3}"/>
               </a:ext>
             </a:extLst>
           </p:cNvPr>
@@ -8162,56 +7304,67 @@
             <p:ph sz="half" idx="2"/>
           </p:nvPr>
         </p:nvSpPr>
-        <p:spPr/>
+        <p:spPr>
+          <a:xfrm>
+            <a:off x="838799" y="1825200"/>
+            <a:ext cx="5655785" cy="4352400"/>
+          </a:xfrm>
+        </p:spPr>
         <p:txBody>
-          <a:bodyPr>
-            <a:normAutofit/>
-          </a:bodyPr>
+          <a:bodyPr/>
           <a:lstStyle/>
           <a:p>
             <a:r>
-              <a:rPr lang="en-NL" sz="4400" dirty="0"/>
-              <a:t>LET OP : We werken op de </a:t>
+              <a:rPr lang="en-NL" dirty="0"/>
+              <a:t>De volgende gegevens worden gepublished.</a:t>
             </a:r>
             <a:br>
-              <a:rPr lang="en-NL" sz="4400" dirty="0"/>
+              <a:rPr lang="en-NL" dirty="0"/>
             </a:br>
             <a:br>
-              <a:rPr lang="en-NL" sz="4400" dirty="0"/>
+              <a:rPr lang="en-NL" dirty="0"/>
             </a:br>
             <a:r>
-              <a:rPr lang="en-NL" sz="4400" dirty="0"/>
-              <a:t>       </a:t>
-            </a:r>
-            <a:r>
-              <a:rPr lang="en-NL" sz="4400" dirty="0">
-                <a:solidFill>
-                  <a:srgbClr val="FF0000"/>
-                </a:solidFill>
-              </a:rPr>
-              <a:t>DUURZAAMHEIDSFABRIEK</a:t>
-            </a:r>
-            <a:br>
-              <a:rPr lang="en-NL" sz="4400" dirty="0">
-                <a:solidFill>
-                  <a:srgbClr val="FF0000"/>
-                </a:solidFill>
-              </a:rPr>
-            </a:br>
-            <a:endParaRPr lang="en-NL" sz="4400" dirty="0"/>
-          </a:p>
-          <a:p>
-            <a:pPr marL="0" indent="0">
-              <a:buNone/>
-            </a:pPr>
-            <a:endParaRPr lang="en-NL" sz="4400" dirty="0"/>
+              <a:rPr lang="en-NL" dirty="0"/>
+              <a:t>Maak een programma dat deze gegevens tonen.</a:t>
+            </a:r>
           </a:p>
         </p:txBody>
       </p:sp>
+      <p:pic>
+        <p:nvPicPr>
+          <p:cNvPr id="3" name="Picture 2">
+            <a:extLst>
+              <a:ext uri="{FF2B5EF4-FFF2-40B4-BE49-F238E27FC236}">
+                <a16:creationId xmlns:a16="http://schemas.microsoft.com/office/drawing/2014/main" id="{5975BABE-0269-F042-BB20-065840E2EBD4}"/>
+              </a:ext>
+            </a:extLst>
+          </p:cNvPr>
+          <p:cNvPicPr>
+            <a:picLocks noChangeAspect="1"/>
+          </p:cNvPicPr>
+          <p:nvPr/>
+        </p:nvPicPr>
+        <p:blipFill>
+          <a:blip r:embed="rId2"/>
+          <a:stretch>
+            <a:fillRect/>
+          </a:stretch>
+        </p:blipFill>
+        <p:spPr>
+          <a:xfrm>
+            <a:off x="6917593" y="179021"/>
+            <a:ext cx="6997700" cy="6261100"/>
+          </a:xfrm>
+          <a:prstGeom prst="rect">
+            <a:avLst/>
+          </a:prstGeom>
+        </p:spPr>
+      </p:pic>
     </p:spTree>
     <p:extLst>
       <p:ext uri="{BB962C8B-B14F-4D97-AF65-F5344CB8AC3E}">
-        <p14:creationId xmlns:p14="http://schemas.microsoft.com/office/powerpoint/2010/main" val="3029572305"/>
+        <p14:creationId xmlns:p14="http://schemas.microsoft.com/office/powerpoint/2010/main" val="2807360599"/>
       </p:ext>
     </p:extLst>
   </p:cSld>
@@ -8333,7 +7486,13 @@
       </p:grpSpPr>
       <p:sp>
         <p:nvSpPr>
-          <p:cNvPr id="2" name="Titel 1"/>
+          <p:cNvPr id="2" name="Title 1">
+            <a:extLst>
+              <a:ext uri="{FF2B5EF4-FFF2-40B4-BE49-F238E27FC236}">
+                <a16:creationId xmlns:a16="http://schemas.microsoft.com/office/drawing/2014/main" id="{801C2E31-0693-804C-8242-63A608978AD0}"/>
+              </a:ext>
+            </a:extLst>
+          </p:cNvPr>
           <p:cNvSpPr>
             <a:spLocks noGrp="1"/>
           </p:cNvSpPr>
@@ -8347,19 +7506,18 @@
           <a:lstStyle/>
           <a:p>
             <a:r>
-              <a:rPr lang="nl-NL" dirty="0" err="1"/>
-              <a:t>Publish</a:t>
-            </a:r>
-            <a:endParaRPr lang="nl-NL" dirty="0"/>
+              <a:rPr lang="en-NL" dirty="0"/>
+              <a:t>Nu MQTT Subscriber op de WeMos</a:t>
+            </a:r>
           </a:p>
         </p:txBody>
       </p:sp>
       <p:sp>
         <p:nvSpPr>
-          <p:cNvPr id="4" name="Content Placeholder 3">
+          <p:cNvPr id="3" name="Content Placeholder 2">
             <a:extLst>
               <a:ext uri="{FF2B5EF4-FFF2-40B4-BE49-F238E27FC236}">
-                <a16:creationId xmlns:a16="http://schemas.microsoft.com/office/drawing/2014/main" id="{EE394875-DE1A-7B4E-8D4A-8031D45FE1C3}"/>
+                <a16:creationId xmlns:a16="http://schemas.microsoft.com/office/drawing/2014/main" id="{2A412982-F400-9447-A05C-545D89FAAFEF}"/>
               </a:ext>
             </a:extLst>
           </p:cNvPr>
@@ -8370,39 +7528,21 @@
             <p:ph sz="half" idx="2"/>
           </p:nvPr>
         </p:nvSpPr>
-        <p:spPr>
-          <a:xfrm>
-            <a:off x="838799" y="1825200"/>
-            <a:ext cx="5655785" cy="4352400"/>
-          </a:xfrm>
-        </p:spPr>
+        <p:spPr/>
         <p:txBody>
           <a:bodyPr/>
           <a:lstStyle/>
           <a:p>
-            <a:r>
-              <a:rPr lang="en-NL" dirty="0"/>
-              <a:t>De volgende gegevens worden gepublished.</a:t>
-            </a:r>
-            <a:br>
-              <a:rPr lang="en-NL" dirty="0"/>
-            </a:br>
-            <a:br>
-              <a:rPr lang="en-NL" dirty="0"/>
-            </a:br>
-            <a:r>
-              <a:rPr lang="en-NL" dirty="0"/>
-              <a:t>Maak een programma dat deze gegevens tonen.</a:t>
-            </a:r>
+            <a:endParaRPr lang="en-NL"/>
           </a:p>
         </p:txBody>
       </p:sp>
       <p:pic>
         <p:nvPicPr>
-          <p:cNvPr id="3" name="Picture 2">
+          <p:cNvPr id="4" name="Picture 3">
             <a:extLst>
               <a:ext uri="{FF2B5EF4-FFF2-40B4-BE49-F238E27FC236}">
-                <a16:creationId xmlns:a16="http://schemas.microsoft.com/office/drawing/2014/main" id="{5975BABE-0269-F042-BB20-065840E2EBD4}"/>
+                <a16:creationId xmlns:a16="http://schemas.microsoft.com/office/drawing/2014/main" id="{1DE59234-EC30-1744-B900-C4167598C570}"/>
               </a:ext>
             </a:extLst>
           </p:cNvPr>
@@ -8419,8 +7559,8 @@
         </p:blipFill>
         <p:spPr>
           <a:xfrm>
-            <a:off x="6917593" y="179021"/>
-            <a:ext cx="6997700" cy="6261100"/>
+            <a:off x="602150" y="1690688"/>
+            <a:ext cx="11164348" cy="4628050"/>
           </a:xfrm>
           <a:prstGeom prst="rect">
             <a:avLst/>
@@ -8430,7 +7570,7 @@
     </p:spTree>
     <p:extLst>
       <p:ext uri="{BB962C8B-B14F-4D97-AF65-F5344CB8AC3E}">
-        <p14:creationId xmlns:p14="http://schemas.microsoft.com/office/powerpoint/2010/main" val="2807360599"/>
+        <p14:creationId xmlns:p14="http://schemas.microsoft.com/office/powerpoint/2010/main" val="935788302"/>
       </p:ext>
     </p:extLst>
   </p:cSld>
@@ -8462,7 +7602,7 @@
           <p:cNvPr id="2" name="Title 1">
             <a:extLst>
               <a:ext uri="{FF2B5EF4-FFF2-40B4-BE49-F238E27FC236}">
-                <a16:creationId xmlns:a16="http://schemas.microsoft.com/office/drawing/2014/main" id="{5806F9DD-FE11-4E4F-AC53-1775442D1DF3}"/>
+                <a16:creationId xmlns:a16="http://schemas.microsoft.com/office/drawing/2014/main" id="{9F30CF18-815D-1642-9275-D3B239053AB4}"/>
               </a:ext>
             </a:extLst>
           </p:cNvPr>
@@ -8480,101 +7620,51 @@
           <a:p>
             <a:r>
               <a:rPr lang="en-NL" dirty="0"/>
-              <a:t>Zorg dat de ESP8266 is aangesloten</a:t>
+              <a:t>Berichten Subscriben</a:t>
             </a:r>
           </a:p>
         </p:txBody>
       </p:sp>
-      <p:pic>
-        <p:nvPicPr>
-          <p:cNvPr id="5" name="Content Placeholder 4">
+      <p:sp>
+        <p:nvSpPr>
+          <p:cNvPr id="3" name="Content Placeholder 2">
             <a:extLst>
               <a:ext uri="{FF2B5EF4-FFF2-40B4-BE49-F238E27FC236}">
-                <a16:creationId xmlns:a16="http://schemas.microsoft.com/office/drawing/2014/main" id="{D035F13A-0743-954E-9E27-B5B5DC369742}"/>
+                <a16:creationId xmlns:a16="http://schemas.microsoft.com/office/drawing/2014/main" id="{C1F06574-9800-C445-959D-F31B8DCCD4C9}"/>
               </a:ext>
             </a:extLst>
           </p:cNvPr>
-          <p:cNvPicPr>
-            <a:picLocks noGrp="1" noChangeAspect="1"/>
-          </p:cNvPicPr>
+          <p:cNvSpPr>
+            <a:spLocks noGrp="1"/>
+          </p:cNvSpPr>
           <p:nvPr>
             <p:ph sz="half" idx="2"/>
           </p:nvPr>
-        </p:nvPicPr>
-        <p:blipFill>
-          <a:blip r:embed="rId2">
-            <a:extLst>
-              <a:ext uri="{28A0092B-C50C-407E-A947-70E740481C1C}">
-                <a14:useLocalDpi xmlns:a14="http://schemas.microsoft.com/office/drawing/2010/main" val="0"/>
-              </a:ext>
-            </a:extLst>
-          </a:blip>
-          <a:stretch>
-            <a:fillRect/>
-          </a:stretch>
-        </p:blipFill>
-        <p:spPr>
-          <a:xfrm>
-            <a:off x="1444381" y="1690688"/>
-            <a:ext cx="5648080" cy="4736282"/>
-          </a:xfrm>
-        </p:spPr>
-      </p:pic>
-      <mc:AlternateContent xmlns:mc="http://schemas.openxmlformats.org/markup-compatibility/2006" xmlns:p14="http://schemas.microsoft.com/office/powerpoint/2010/main">
-        <mc:Choice Requires="p14">
-          <p:contentPart p14:bwMode="auto" r:id="rId3">
-            <p14:nvContentPartPr>
-              <p14:cNvPr id="7" name="Ink 6">
-                <a:extLst>
-                  <a:ext uri="{FF2B5EF4-FFF2-40B4-BE49-F238E27FC236}">
-                    <a16:creationId xmlns:a16="http://schemas.microsoft.com/office/drawing/2014/main" id="{2C0A560E-80D0-B24A-9A3E-81BD9D8D8C6E}"/>
-                  </a:ext>
-                </a:extLst>
-              </p14:cNvPr>
-              <p14:cNvContentPartPr/>
-              <p14:nvPr/>
-            </p14:nvContentPartPr>
-            <p14:xfrm>
-              <a:off x="4905277" y="2707929"/>
-              <a:ext cx="1073520" cy="2496960"/>
-            </p14:xfrm>
-          </p:contentPart>
-        </mc:Choice>
-        <mc:Fallback xmlns="">
-          <p:pic>
-            <p:nvPicPr>
-              <p:cNvPr id="7" name="Ink 6">
-                <a:extLst>
-                  <a:ext uri="{FF2B5EF4-FFF2-40B4-BE49-F238E27FC236}">
-                    <a16:creationId xmlns:a16="http://schemas.microsoft.com/office/drawing/2014/main" id="{2C0A560E-80D0-B24A-9A3E-81BD9D8D8C6E}"/>
-                  </a:ext>
-                </a:extLst>
-              </p:cNvPr>
-              <p:cNvPicPr/>
-              <p:nvPr/>
-            </p:nvPicPr>
-            <p:blipFill>
-              <a:blip r:embed="rId4"/>
-              <a:stretch>
-                <a:fillRect/>
-              </a:stretch>
-            </p:blipFill>
-            <p:spPr>
-              <a:xfrm>
-                <a:off x="4851637" y="2599929"/>
-                <a:ext cx="1181160" cy="2712600"/>
-              </a:xfrm>
-              <a:prstGeom prst="rect">
-                <a:avLst/>
-              </a:prstGeom>
-            </p:spPr>
-          </p:pic>
-        </mc:Fallback>
-      </mc:AlternateContent>
+        </p:nvSpPr>
+        <p:spPr/>
+        <p:txBody>
+          <a:bodyPr>
+            <a:normAutofit/>
+          </a:bodyPr>
+          <a:lstStyle/>
+          <a:p>
+            <a:r>
+              <a:rPr lang="en-NL" sz="4400" dirty="0"/>
+              <a:t>Gebruik de code op It’s Learning om te subscriben op een bericht.</a:t>
+            </a:r>
+          </a:p>
+          <a:p>
+            <a:r>
+              <a:rPr lang="en-NL" sz="4400" dirty="0"/>
+              <a:t>Laat de minimale, maximale en huidige waarde zien van de meting,</a:t>
+            </a:r>
+          </a:p>
+        </p:txBody>
+      </p:sp>
     </p:spTree>
     <p:extLst>
       <p:ext uri="{BB962C8B-B14F-4D97-AF65-F5344CB8AC3E}">
-        <p14:creationId xmlns:p14="http://schemas.microsoft.com/office/powerpoint/2010/main" val="547860958"/>
+        <p14:creationId xmlns:p14="http://schemas.microsoft.com/office/powerpoint/2010/main" val="1484023403"/>
       </p:ext>
     </p:extLst>
   </p:cSld>
@@ -8606,7 +7696,7 @@
           <p:cNvPr id="2" name="Title 1">
             <a:extLst>
               <a:ext uri="{FF2B5EF4-FFF2-40B4-BE49-F238E27FC236}">
-                <a16:creationId xmlns:a16="http://schemas.microsoft.com/office/drawing/2014/main" id="{EB4CA0A7-7BA5-CC48-97DE-FAE1448D42C6}"/>
+                <a16:creationId xmlns:a16="http://schemas.microsoft.com/office/drawing/2014/main" id="{6F8E53C6-5795-2845-8E84-8A0D9081E963}"/>
               </a:ext>
             </a:extLst>
           </p:cNvPr>
@@ -8624,50 +7714,167 @@
           <a:p>
             <a:r>
               <a:rPr lang="en-NL" dirty="0"/>
-              <a:t>Flashen van de WeMos</a:t>
-            </a:r>
+              <a:t>Dit willen we ontvangen</a:t>
+            </a:r>
+          </a:p>
+        </p:txBody>
+      </p:sp>
+      <p:sp>
+        <p:nvSpPr>
+          <p:cNvPr id="3" name="Content Placeholder 2">
+            <a:extLst>
+              <a:ext uri="{FF2B5EF4-FFF2-40B4-BE49-F238E27FC236}">
+                <a16:creationId xmlns:a16="http://schemas.microsoft.com/office/drawing/2014/main" id="{0494D0F7-58B9-1D4A-B7C7-FC0D93828776}"/>
+              </a:ext>
+            </a:extLst>
+          </p:cNvPr>
+          <p:cNvSpPr>
+            <a:spLocks noGrp="1"/>
+          </p:cNvSpPr>
+          <p:nvPr>
+            <p:ph sz="half" idx="2"/>
+          </p:nvPr>
+        </p:nvSpPr>
+        <p:spPr/>
+        <p:txBody>
+          <a:bodyPr/>
+          <a:lstStyle/>
+          <a:p>
+            <a:endParaRPr lang="en-NL"/>
           </a:p>
         </p:txBody>
       </p:sp>
       <p:pic>
         <p:nvPicPr>
-          <p:cNvPr id="5" name="Content Placeholder 4">
+          <p:cNvPr id="4" name="Picture 3">
             <a:extLst>
               <a:ext uri="{FF2B5EF4-FFF2-40B4-BE49-F238E27FC236}">
-                <a16:creationId xmlns:a16="http://schemas.microsoft.com/office/drawing/2014/main" id="{A7A2C149-BE08-5344-A346-CEF81D491E7E}"/>
+                <a16:creationId xmlns:a16="http://schemas.microsoft.com/office/drawing/2014/main" id="{8CA3FA98-5712-8E4B-A427-AB9265FD51BE}"/>
               </a:ext>
             </a:extLst>
           </p:cNvPr>
           <p:cNvPicPr>
-            <a:picLocks noGrp="1" noChangeAspect="1"/>
+            <a:picLocks noChangeAspect="1"/>
           </p:cNvPicPr>
-          <p:nvPr>
-            <p:ph sz="half" idx="2"/>
-          </p:nvPr>
+          <p:nvPr/>
         </p:nvPicPr>
         <p:blipFill>
-          <a:blip r:embed="rId2">
-            <a:extLst>
-              <a:ext uri="{28A0092B-C50C-407E-A947-70E740481C1C}">
-                <a14:useLocalDpi xmlns:a14="http://schemas.microsoft.com/office/drawing/2010/main" val="0"/>
-              </a:ext>
-            </a:extLst>
-          </a:blip>
+          <a:blip r:embed="rId2"/>
           <a:stretch>
             <a:fillRect/>
           </a:stretch>
         </p:blipFill>
         <p:spPr>
           <a:xfrm>
-            <a:off x="382588" y="1906282"/>
-            <a:ext cx="9113104" cy="4832215"/>
+            <a:off x="509354" y="1715400"/>
+            <a:ext cx="13237860" cy="4462200"/>
           </a:xfrm>
+          <a:prstGeom prst="rect">
+            <a:avLst/>
+          </a:prstGeom>
         </p:spPr>
       </p:pic>
+      <mc:AlternateContent xmlns:mc="http://schemas.openxmlformats.org/markup-compatibility/2006">
+        <mc:Choice xmlns:pslz="http://schemas.microsoft.com/office/powerpoint/2016/slidezoom" Requires="pslz">
+          <p:graphicFrame>
+            <p:nvGraphicFramePr>
+              <p:cNvPr id="6" name="Diazoom 5">
+                <a:extLst>
+                  <a:ext uri="{FF2B5EF4-FFF2-40B4-BE49-F238E27FC236}">
+                    <a16:creationId xmlns:a16="http://schemas.microsoft.com/office/drawing/2014/main" id="{C7905B4B-CDFE-13FA-7B0A-C054957C7FCC}"/>
+                  </a:ext>
+                </a:extLst>
+              </p:cNvPr>
+              <p:cNvGraphicFramePr>
+                <a:graphicFrameLocks noChangeAspect="1"/>
+              </p:cNvGraphicFramePr>
+              <p:nvPr>
+                <p:extLst>
+                  <p:ext uri="{D42A27DB-BD31-4B8C-83A1-F6EECF244321}">
+                    <p14:modId xmlns:p14="http://schemas.microsoft.com/office/powerpoint/2010/main" val="1989443983"/>
+                  </p:ext>
+                </p:extLst>
+              </p:nvPr>
+            </p:nvGraphicFramePr>
+            <p:xfrm>
+              <a:off x="-521785" y="5319814"/>
+              <a:ext cx="3048000" cy="1714500"/>
+            </p:xfrm>
+            <a:graphic>
+              <a:graphicData uri="http://schemas.microsoft.com/office/powerpoint/2016/slidezoom">
+                <pslz:sldZm>
+                  <pslz:sldZmObj sldId="425" cId="3033661920">
+                    <pslz:zmPr id="{E7A04028-C0E0-4E7D-9523-09F41BCBC728}" returnToParent="0" transitionDur="1000">
+                      <p166:blipFill xmlns:p166="http://schemas.microsoft.com/office/powerpoint/2016/6/main">
+                        <a:blip r:embed="rId3"/>
+                        <a:stretch>
+                          <a:fillRect/>
+                        </a:stretch>
+                      </p166:blipFill>
+                      <p166:spPr xmlns:p166="http://schemas.microsoft.com/office/powerpoint/2016/6/main">
+                        <a:xfrm>
+                          <a:off x="0" y="0"/>
+                          <a:ext cx="3048000" cy="1714500"/>
+                        </a:xfrm>
+                        <a:prstGeom prst="rect">
+                          <a:avLst/>
+                        </a:prstGeom>
+                        <a:ln w="3175">
+                          <a:solidFill>
+                            <a:prstClr val="ltGray"/>
+                          </a:solidFill>
+                        </a:ln>
+                      </p166:spPr>
+                    </pslz:zmPr>
+                  </pslz:sldZmObj>
+                </pslz:sldZm>
+              </a:graphicData>
+            </a:graphic>
+          </p:graphicFrame>
+        </mc:Choice>
+        <mc:Fallback>
+          <p:pic>
+            <p:nvPicPr>
+              <p:cNvPr id="6" name="Diazoom 5">
+                <a:hlinkClick r:id="rId4" action="ppaction://hlinksldjump"/>
+                <a:extLst>
+                  <a:ext uri="{FF2B5EF4-FFF2-40B4-BE49-F238E27FC236}">
+                    <a16:creationId xmlns:a16="http://schemas.microsoft.com/office/drawing/2014/main" id="{C7905B4B-CDFE-13FA-7B0A-C054957C7FCC}"/>
+                  </a:ext>
+                </a:extLst>
+              </p:cNvPr>
+              <p:cNvPicPr>
+                <a:picLocks noGrp="1" noRot="1" noChangeAspect="1" noMove="1" noResize="1" noEditPoints="1" noAdjustHandles="1" noChangeArrowheads="1" noChangeShapeType="1"/>
+              </p:cNvPicPr>
+              <p:nvPr/>
+            </p:nvPicPr>
+            <p:blipFill>
+              <a:blip r:embed="rId3"/>
+              <a:stretch>
+                <a:fillRect/>
+              </a:stretch>
+            </p:blipFill>
+            <p:spPr>
+              <a:xfrm>
+                <a:off x="-521785" y="5319814"/>
+                <a:ext cx="3048000" cy="1714500"/>
+              </a:xfrm>
+              <a:prstGeom prst="rect">
+                <a:avLst/>
+              </a:prstGeom>
+              <a:ln w="3175">
+                <a:solidFill>
+                  <a:prstClr val="ltGray"/>
+                </a:solidFill>
+              </a:ln>
+            </p:spPr>
+          </p:pic>
+        </mc:Fallback>
+      </mc:AlternateContent>
     </p:spTree>
     <p:extLst>
       <p:ext uri="{BB962C8B-B14F-4D97-AF65-F5344CB8AC3E}">
-        <p14:creationId xmlns:p14="http://schemas.microsoft.com/office/powerpoint/2010/main" val="2897357261"/>
+        <p14:creationId xmlns:p14="http://schemas.microsoft.com/office/powerpoint/2010/main" val="3033661920"/>
       </p:ext>
     </p:extLst>
   </p:cSld>
@@ -8696,343 +7903,65 @@
       </p:grpSpPr>
       <p:sp>
         <p:nvSpPr>
-          <p:cNvPr id="2" name="Title 1">
+          <p:cNvPr id="2" name="Titel 4">
             <a:extLst>
               <a:ext uri="{FF2B5EF4-FFF2-40B4-BE49-F238E27FC236}">
-                <a16:creationId xmlns:a16="http://schemas.microsoft.com/office/drawing/2014/main" id="{060B0F6C-A5F1-BE42-A9C2-AAF44F5E68C0}"/>
+                <a16:creationId xmlns:a16="http://schemas.microsoft.com/office/drawing/2014/main" id="{5C3B8EC0-2D4E-0A44-B38A-F2B3A1348F59}"/>
               </a:ext>
             </a:extLst>
           </p:cNvPr>
-          <p:cNvSpPr>
-            <a:spLocks noGrp="1"/>
+          <p:cNvSpPr txBox="1">
+            <a:spLocks/>
           </p:cNvSpPr>
-          <p:nvPr>
-            <p:ph type="title"/>
-          </p:nvPr>
+          <p:nvPr/>
         </p:nvSpPr>
-        <p:spPr/>
-        <p:txBody>
-          <a:bodyPr/>
-          <a:lstStyle/>
-          <a:p>
-            <a:r>
-              <a:rPr lang="en-NL" dirty="0"/>
-              <a:t>Flashen van de WeMos</a:t>
-            </a:r>
-          </a:p>
-        </p:txBody>
-      </p:sp>
-      <p:pic>
-        <p:nvPicPr>
-          <p:cNvPr id="4" name="Picture 3">
-            <a:extLst>
-              <a:ext uri="{FF2B5EF4-FFF2-40B4-BE49-F238E27FC236}">
-                <a16:creationId xmlns:a16="http://schemas.microsoft.com/office/drawing/2014/main" id="{1718E4AC-4209-7341-8C6B-9958439F5C24}"/>
-              </a:ext>
-            </a:extLst>
-          </p:cNvPr>
-          <p:cNvPicPr>
-            <a:picLocks noChangeAspect="1"/>
-          </p:cNvPicPr>
-          <p:nvPr/>
-        </p:nvPicPr>
-        <p:blipFill>
-          <a:blip r:embed="rId2"/>
-          <a:stretch>
-            <a:fillRect/>
-          </a:stretch>
-        </p:blipFill>
         <p:spPr>
           <a:xfrm>
-            <a:off x="1633782" y="1430639"/>
-            <a:ext cx="6515918" cy="5062236"/>
+            <a:off x="839788" y="365125"/>
+            <a:ext cx="10515600" cy="1325563"/>
           </a:xfrm>
           <a:prstGeom prst="rect">
             <a:avLst/>
           </a:prstGeom>
         </p:spPr>
-      </p:pic>
+        <p:txBody>
+          <a:bodyPr/>
+          <a:lstStyle>
+            <a:lvl1pPr algn="l" defTabSz="914400" rtl="0" eaLnBrk="1" latinLnBrk="0" hangingPunct="1">
+              <a:lnSpc>
+                <a:spcPct val="90000"/>
+              </a:lnSpc>
+              <a:spcBef>
+                <a:spcPct val="0"/>
+              </a:spcBef>
+              <a:buNone/>
+              <a:defRPr sz="2600" kern="1200">
+                <a:solidFill>
+                  <a:srgbClr val="00A78E"/>
+                </a:solidFill>
+                <a:latin typeface="Arial Black" panose="020B0A04020102020204" pitchFamily="34" charset="0"/>
+                <a:ea typeface="+mj-ea"/>
+                <a:cs typeface="+mj-cs"/>
+              </a:defRPr>
+            </a:lvl1pPr>
+          </a:lstStyle>
+          <a:p>
+            <a:r>
+              <a:rPr lang="en-GB" b="1" dirty="0" err="1"/>
+              <a:t>Vragen</a:t>
+            </a:r>
+            <a:r>
+              <a:rPr lang="en-GB" b="1" dirty="0"/>
+              <a:t> ?????</a:t>
+            </a:r>
+            <a:endParaRPr lang="nl-NL" dirty="0"/>
+          </a:p>
+        </p:txBody>
+      </p:sp>
     </p:spTree>
     <p:extLst>
       <p:ext uri="{BB962C8B-B14F-4D97-AF65-F5344CB8AC3E}">
-        <p14:creationId xmlns:p14="http://schemas.microsoft.com/office/powerpoint/2010/main" val="3335818535"/>
-      </p:ext>
-    </p:extLst>
-  </p:cSld>
-  <p:clrMapOvr>
-    <a:masterClrMapping/>
-  </p:clrMapOvr>
-</p:sld>
-</file>
-
-<file path=ppt/slides/slide8.xml><?xml version="1.0" encoding="utf-8"?>
-<p:sld xmlns:a="http://schemas.openxmlformats.org/drawingml/2006/main" xmlns:r="http://schemas.openxmlformats.org/officeDocument/2006/relationships" xmlns:p="http://schemas.openxmlformats.org/presentationml/2006/main">
-  <p:cSld>
-    <p:spTree>
-      <p:nvGrpSpPr>
-        <p:cNvPr id="1" name=""/>
-        <p:cNvGrpSpPr/>
-        <p:nvPr/>
-      </p:nvGrpSpPr>
-      <p:grpSpPr>
-        <a:xfrm>
-          <a:off x="0" y="0"/>
-          <a:ext cx="0" cy="0"/>
-          <a:chOff x="0" y="0"/>
-          <a:chExt cx="0" cy="0"/>
-        </a:xfrm>
-      </p:grpSpPr>
-      <p:sp>
-        <p:nvSpPr>
-          <p:cNvPr id="2" name="Title 1">
-            <a:extLst>
-              <a:ext uri="{FF2B5EF4-FFF2-40B4-BE49-F238E27FC236}">
-                <a16:creationId xmlns:a16="http://schemas.microsoft.com/office/drawing/2014/main" id="{A8102D65-777F-BA44-A026-B8F0D3C47A8C}"/>
-              </a:ext>
-            </a:extLst>
-          </p:cNvPr>
-          <p:cNvSpPr>
-            <a:spLocks noGrp="1"/>
-          </p:cNvSpPr>
-          <p:nvPr>
-            <p:ph type="title"/>
-          </p:nvPr>
-        </p:nvSpPr>
-        <p:spPr/>
-        <p:txBody>
-          <a:bodyPr/>
-          <a:lstStyle/>
-          <a:p>
-            <a:r>
-              <a:rPr lang="en-NL" dirty="0"/>
-              <a:t>Flashen van de WeMos</a:t>
-            </a:r>
-          </a:p>
-        </p:txBody>
-      </p:sp>
-      <p:sp>
-        <p:nvSpPr>
-          <p:cNvPr id="3" name="Content Placeholder 2">
-            <a:extLst>
-              <a:ext uri="{FF2B5EF4-FFF2-40B4-BE49-F238E27FC236}">
-                <a16:creationId xmlns:a16="http://schemas.microsoft.com/office/drawing/2014/main" id="{64426169-D582-4C41-B2C9-930FD6CA34F6}"/>
-              </a:ext>
-            </a:extLst>
-          </p:cNvPr>
-          <p:cNvSpPr>
-            <a:spLocks noGrp="1"/>
-          </p:cNvSpPr>
-          <p:nvPr>
-            <p:ph sz="half" idx="2"/>
-          </p:nvPr>
-        </p:nvSpPr>
-        <p:spPr/>
-        <p:txBody>
-          <a:bodyPr/>
-          <a:lstStyle/>
-          <a:p>
-            <a:endParaRPr lang="en-NL"/>
-          </a:p>
-        </p:txBody>
-      </p:sp>
-      <p:pic>
-        <p:nvPicPr>
-          <p:cNvPr id="4" name="Picture 3">
-            <a:extLst>
-              <a:ext uri="{FF2B5EF4-FFF2-40B4-BE49-F238E27FC236}">
-                <a16:creationId xmlns:a16="http://schemas.microsoft.com/office/drawing/2014/main" id="{44300BF8-B75C-894A-B065-51758E7DF999}"/>
-              </a:ext>
-            </a:extLst>
-          </p:cNvPr>
-          <p:cNvPicPr>
-            <a:picLocks noChangeAspect="1"/>
-          </p:cNvPicPr>
-          <p:nvPr/>
-        </p:nvPicPr>
-        <p:blipFill>
-          <a:blip r:embed="rId2"/>
-          <a:stretch>
-            <a:fillRect/>
-          </a:stretch>
-        </p:blipFill>
-        <p:spPr>
-          <a:xfrm>
-            <a:off x="836611" y="1531814"/>
-            <a:ext cx="6900619" cy="5246085"/>
-          </a:xfrm>
-          <a:prstGeom prst="rect">
-            <a:avLst/>
-          </a:prstGeom>
-        </p:spPr>
-      </p:pic>
-    </p:spTree>
-    <p:extLst>
-      <p:ext uri="{BB962C8B-B14F-4D97-AF65-F5344CB8AC3E}">
-        <p14:creationId xmlns:p14="http://schemas.microsoft.com/office/powerpoint/2010/main" val="3119887764"/>
-      </p:ext>
-    </p:extLst>
-  </p:cSld>
-  <p:clrMapOvr>
-    <a:masterClrMapping/>
-  </p:clrMapOvr>
-</p:sld>
-</file>
-
-<file path=ppt/slides/slide9.xml><?xml version="1.0" encoding="utf-8"?>
-<p:sld xmlns:a="http://schemas.openxmlformats.org/drawingml/2006/main" xmlns:r="http://schemas.openxmlformats.org/officeDocument/2006/relationships" xmlns:p="http://schemas.openxmlformats.org/presentationml/2006/main">
-  <p:cSld>
-    <p:spTree>
-      <p:nvGrpSpPr>
-        <p:cNvPr id="1" name=""/>
-        <p:cNvGrpSpPr/>
-        <p:nvPr/>
-      </p:nvGrpSpPr>
-      <p:grpSpPr>
-        <a:xfrm>
-          <a:off x="0" y="0"/>
-          <a:ext cx="0" cy="0"/>
-          <a:chOff x="0" y="0"/>
-          <a:chExt cx="0" cy="0"/>
-        </a:xfrm>
-      </p:grpSpPr>
-      <p:sp>
-        <p:nvSpPr>
-          <p:cNvPr id="2" name="Title 1">
-            <a:extLst>
-              <a:ext uri="{FF2B5EF4-FFF2-40B4-BE49-F238E27FC236}">
-                <a16:creationId xmlns:a16="http://schemas.microsoft.com/office/drawing/2014/main" id="{FF644C89-CF0C-9345-B4A8-C5179B8A84A2}"/>
-              </a:ext>
-            </a:extLst>
-          </p:cNvPr>
-          <p:cNvSpPr>
-            <a:spLocks noGrp="1"/>
-          </p:cNvSpPr>
-          <p:nvPr>
-            <p:ph type="title"/>
-          </p:nvPr>
-        </p:nvSpPr>
-        <p:spPr/>
-        <p:txBody>
-          <a:bodyPr/>
-          <a:lstStyle/>
-          <a:p>
-            <a:r>
-              <a:rPr lang="en-NL" dirty="0"/>
-              <a:t>Save umqttsimple.py op de WeMos</a:t>
-            </a:r>
-          </a:p>
-        </p:txBody>
-      </p:sp>
-      <p:sp>
-        <p:nvSpPr>
-          <p:cNvPr id="3" name="Content Placeholder 2">
-            <a:extLst>
-              <a:ext uri="{FF2B5EF4-FFF2-40B4-BE49-F238E27FC236}">
-                <a16:creationId xmlns:a16="http://schemas.microsoft.com/office/drawing/2014/main" id="{D918A859-B9F2-2540-949B-6B8882E1C28D}"/>
-              </a:ext>
-            </a:extLst>
-          </p:cNvPr>
-          <p:cNvSpPr>
-            <a:spLocks noGrp="1"/>
-          </p:cNvSpPr>
-          <p:nvPr>
-            <p:ph sz="half" idx="2"/>
-          </p:nvPr>
-        </p:nvSpPr>
-        <p:spPr/>
-        <p:txBody>
-          <a:bodyPr/>
-          <a:lstStyle/>
-          <a:p>
-            <a:endParaRPr lang="en-NL"/>
-          </a:p>
-        </p:txBody>
-      </p:sp>
-      <p:pic>
-        <p:nvPicPr>
-          <p:cNvPr id="4" name="Picture 3">
-            <a:extLst>
-              <a:ext uri="{FF2B5EF4-FFF2-40B4-BE49-F238E27FC236}">
-                <a16:creationId xmlns:a16="http://schemas.microsoft.com/office/drawing/2014/main" id="{A00030BC-FB8A-6547-AF71-468399D36FEE}"/>
-              </a:ext>
-            </a:extLst>
-          </p:cNvPr>
-          <p:cNvPicPr>
-            <a:picLocks noChangeAspect="1"/>
-          </p:cNvPicPr>
-          <p:nvPr/>
-        </p:nvPicPr>
-        <p:blipFill>
-          <a:blip r:embed="rId2"/>
-          <a:stretch>
-            <a:fillRect/>
-          </a:stretch>
-        </p:blipFill>
-        <p:spPr>
-          <a:xfrm>
-            <a:off x="719014" y="1574800"/>
-            <a:ext cx="8912455" cy="5060462"/>
-          </a:xfrm>
-          <a:prstGeom prst="rect">
-            <a:avLst/>
-          </a:prstGeom>
-        </p:spPr>
-      </p:pic>
-      <mc:AlternateContent xmlns:mc="http://schemas.openxmlformats.org/markup-compatibility/2006" xmlns:p14="http://schemas.microsoft.com/office/powerpoint/2010/main">
-        <mc:Choice Requires="p14">
-          <p:contentPart p14:bwMode="auto" r:id="rId3">
-            <p14:nvContentPartPr>
-              <p14:cNvPr id="6" name="Ink 5">
-                <a:extLst>
-                  <a:ext uri="{FF2B5EF4-FFF2-40B4-BE49-F238E27FC236}">
-                    <a16:creationId xmlns:a16="http://schemas.microsoft.com/office/drawing/2014/main" id="{BE8EEEA8-BBDB-3947-8DC1-F4E53632C75E}"/>
-                  </a:ext>
-                </a:extLst>
-              </p14:cNvPr>
-              <p14:cNvContentPartPr/>
-              <p14:nvPr/>
-            </p14:nvContentPartPr>
-            <p14:xfrm>
-              <a:off x="3037597" y="1719009"/>
-              <a:ext cx="2223000" cy="894600"/>
-            </p14:xfrm>
-          </p:contentPart>
-        </mc:Choice>
-        <mc:Fallback xmlns="">
-          <p:pic>
-            <p:nvPicPr>
-              <p:cNvPr id="6" name="Ink 5">
-                <a:extLst>
-                  <a:ext uri="{FF2B5EF4-FFF2-40B4-BE49-F238E27FC236}">
-                    <a16:creationId xmlns:a16="http://schemas.microsoft.com/office/drawing/2014/main" id="{BE8EEEA8-BBDB-3947-8DC1-F4E53632C75E}"/>
-                  </a:ext>
-                </a:extLst>
-              </p:cNvPr>
-              <p:cNvPicPr/>
-              <p:nvPr/>
-            </p:nvPicPr>
-            <p:blipFill>
-              <a:blip r:embed="rId4"/>
-              <a:stretch>
-                <a:fillRect/>
-              </a:stretch>
-            </p:blipFill>
-            <p:spPr>
-              <a:xfrm>
-                <a:off x="3019957" y="1701369"/>
-                <a:ext cx="2258640" cy="930240"/>
-              </a:xfrm>
-              <a:prstGeom prst="rect">
-                <a:avLst/>
-              </a:prstGeom>
-            </p:spPr>
-          </p:pic>
-        </mc:Fallback>
-      </mc:AlternateContent>
-    </p:spTree>
-    <p:extLst>
-      <p:ext uri="{BB962C8B-B14F-4D97-AF65-F5344CB8AC3E}">
-        <p14:creationId xmlns:p14="http://schemas.microsoft.com/office/powerpoint/2010/main" val="139459238"/>
+        <p14:creationId xmlns:p14="http://schemas.microsoft.com/office/powerpoint/2010/main" val="4244846622"/>
       </p:ext>
     </p:extLst>
   </p:cSld>
@@ -10155,15 +9084,6 @@
 </file>
 
 <file path=customXml/item1.xml><?xml version="1.0" encoding="utf-8"?>
-<?mso-contentType ?>
-<FormTemplates xmlns="http://schemas.microsoft.com/sharepoint/v3/contenttype/forms">
-  <Display>DocumentLibraryForm</Display>
-  <Edit>DocumentLibraryForm</Edit>
-  <New>DocumentLibraryForm</New>
-</FormTemplates>
-</file>
-
-<file path=customXml/item2.xml><?xml version="1.0" encoding="utf-8"?>
 <ct:contentTypeSchema xmlns:ct="http://schemas.microsoft.com/office/2006/metadata/contentType" xmlns:ma="http://schemas.microsoft.com/office/2006/metadata/properties/metaAttributes" ct:_="" ma:_="" ma:contentTypeName="Document" ma:contentTypeID="0x0101004EE29C275B0330428D2BFA2C8D576F4B" ma:contentTypeVersion="0" ma:contentTypeDescription="Een nieuw document maken." ma:contentTypeScope="" ma:versionID="6f3e0ea117c09d99e40ae3b100a299dc">
   <xsd:schema xmlns:xsd="http://www.w3.org/2001/XMLSchema" xmlns:xs="http://www.w3.org/2001/XMLSchema" xmlns:p="http://schemas.microsoft.com/office/2006/metadata/properties" targetNamespace="http://schemas.microsoft.com/office/2006/metadata/properties" ma:root="true" ma:fieldsID="1978a156f712f99d6452530788f7ffe9">
     <xsd:element name="properties">
@@ -10277,6 +9197,15 @@
 </ct:contentTypeSchema>
 </file>
 
+<file path=customXml/item2.xml><?xml version="1.0" encoding="utf-8"?>
+<?mso-contentType ?>
+<FormTemplates xmlns="http://schemas.microsoft.com/sharepoint/v3/contenttype/forms">
+  <Display>DocumentLibraryForm</Display>
+  <Edit>DocumentLibraryForm</Edit>
+  <New>DocumentLibraryForm</New>
+</FormTemplates>
+</file>
+
 <file path=customXml/item3.xml><?xml version="1.0" encoding="utf-8"?>
 <p:properties xmlns:p="http://schemas.microsoft.com/office/2006/metadata/properties" xmlns:xsi="http://www.w3.org/2001/XMLSchema-instance" xmlns:pc="http://schemas.microsoft.com/office/infopath/2007/PartnerControls">
   <documentManagement/>
@@ -10284,14 +9213,6 @@
 </file>
 
 <file path=customXml/itemProps1.xml><?xml version="1.0" encoding="utf-8"?>
-<ds:datastoreItem xmlns:ds="http://schemas.openxmlformats.org/officeDocument/2006/customXml" ds:itemID="{C58370CC-8AF3-4E85-911D-3C7AD1FAAE10}">
-  <ds:schemaRefs>
-    <ds:schemaRef ds:uri="http://schemas.microsoft.com/sharepoint/v3/contenttype/forms"/>
-  </ds:schemaRefs>
-</ds:datastoreItem>
-</file>
-
-<file path=customXml/itemProps2.xml><?xml version="1.0" encoding="utf-8"?>
 <ds:datastoreItem xmlns:ds="http://schemas.openxmlformats.org/officeDocument/2006/customXml" ds:itemID="{7C812B3D-632E-45B1-BE3D-5F5FC6F96A1A}">
   <ds:schemaRefs>
     <ds:schemaRef ds:uri="http://schemas.microsoft.com/office/2006/metadata/contentType"/>
@@ -10303,6 +9224,14 @@
     <ds:schemaRef ds:uri="http://purl.org/dc/terms/"/>
     <ds:schemaRef ds:uri="http://schemas.microsoft.com/internal/obd"/>
     <ds:schemaRef ds:uri="http://schemas.microsoft.com/office/infopath/2007/PartnerControls"/>
+  </ds:schemaRefs>
+</ds:datastoreItem>
+</file>
+
+<file path=customXml/itemProps2.xml><?xml version="1.0" encoding="utf-8"?>
+<ds:datastoreItem xmlns:ds="http://schemas.openxmlformats.org/officeDocument/2006/customXml" ds:itemID="{C58370CC-8AF3-4E85-911D-3C7AD1FAAE10}">
+  <ds:schemaRefs>
+    <ds:schemaRef ds:uri="http://schemas.microsoft.com/sharepoint/v3/contenttype/forms"/>
   </ds:schemaRefs>
 </ds:datastoreItem>
 </file>
